--- a/Презентация.pptx
+++ b/Презентация.pptx
@@ -267,6 +267,11 @@
       </a:defRPr>
     </a:lvl9pPr>
   </p:defaultTextStyle>
+  <p:extLst>
+    <p:ext uri="{EFAFB233-063F-42B5-8137-9DF3F51BA10A}">
+      <p15:sldGuideLst xmlns:p15="http://schemas.microsoft.com/office/powerpoint/2012/main"/>
+    </p:ext>
+  </p:extLst>
 </p:presentation>
 </file>
 
@@ -12970,7 +12975,7 @@
               <a:rPr lang="en" dirty="0">
                 <a:latin typeface="Breathe Fire III" panose="02000500000000000000" pitchFamily="2" charset="0"/>
               </a:rPr>
-              <a:t>Necromancer`s Gate</a:t>
+              <a:t>Necromancer Gate</a:t>
             </a:r>
             <a:endParaRPr dirty="0">
               <a:latin typeface="Breathe Fire III" panose="02000500000000000000" pitchFamily="2" charset="0"/>

--- a/Презентация.pptx
+++ b/Презентация.pptx
@@ -5,37 +5,52 @@
     <p:sldMasterId id="2147483672" r:id="rId1"/>
   </p:sldMasterIdLst>
   <p:notesMasterIdLst>
-    <p:notesMasterId r:id="rId6"/>
+    <p:notesMasterId r:id="rId7"/>
   </p:notesMasterIdLst>
   <p:sldIdLst>
     <p:sldId id="256" r:id="rId2"/>
-    <p:sldId id="258" r:id="rId3"/>
-    <p:sldId id="275" r:id="rId4"/>
-    <p:sldId id="276" r:id="rId5"/>
+    <p:sldId id="276" r:id="rId3"/>
+    <p:sldId id="258" r:id="rId4"/>
+    <p:sldId id="275" r:id="rId5"/>
+    <p:sldId id="277" r:id="rId6"/>
   </p:sldIdLst>
   <p:sldSz cx="9144000" cy="5143500" type="screen16x9"/>
   <p:notesSz cx="6858000" cy="9144000"/>
   <p:embeddedFontLst>
     <p:embeddedFont>
-      <p:font typeface="Amatic SC" panose="00000500000000000000" pitchFamily="2" charset="-79"/>
-      <p:regular r:id="rId7"/>
-      <p:bold r:id="rId8"/>
+      <p:font typeface="Calibri" panose="020F0502020204030204" pitchFamily="34" charset="0"/>
+      <p:regular r:id="rId8"/>
+      <p:bold r:id="rId9"/>
+      <p:italic r:id="rId10"/>
+      <p:boldItalic r:id="rId11"/>
+    </p:embeddedFont>
+    <p:embeddedFont>
+      <p:font typeface="Amatic SC" panose="020B0604020202020204" charset="-79"/>
+      <p:regular r:id="rId12"/>
+      <p:bold r:id="rId13"/>
+    </p:embeddedFont>
+    <p:embeddedFont>
+      <p:font typeface="Breathe Fire III" panose="020B0604020202020204" charset="0"/>
+      <p:regular r:id="rId14"/>
+    </p:embeddedFont>
+    <p:embeddedFont>
+      <p:font typeface="Arial Narrow" panose="020B0606020202030204" pitchFamily="34" charset="0"/>
+      <p:regular r:id="rId15"/>
+      <p:bold r:id="rId16"/>
+      <p:italic r:id="rId17"/>
+      <p:boldItalic r:id="rId18"/>
+    </p:embeddedFont>
+    <p:embeddedFont>
+      <p:font typeface="Audiowide" panose="020B0604020202020204" charset="0"/>
+      <p:regular r:id="rId19"/>
+    </p:embeddedFont>
+    <p:embeddedFont>
+      <p:font typeface="Inkulinati 210706" panose="020B0604020202020204" charset="-52"/>
+      <p:regular r:id="rId20"/>
     </p:embeddedFont>
     <p:embeddedFont>
       <p:font typeface="Anaheim" panose="020B0604020202020204" charset="0"/>
-      <p:regular r:id="rId9"/>
-    </p:embeddedFont>
-    <p:embeddedFont>
-      <p:font typeface="Audiowide" panose="020B0604020202020204" charset="0"/>
-      <p:regular r:id="rId10"/>
-    </p:embeddedFont>
-    <p:embeddedFont>
-      <p:font typeface="Breathe Fire III" panose="02000500000000000000" pitchFamily="2" charset="0"/>
-      <p:regular r:id="rId11"/>
-    </p:embeddedFont>
-    <p:embeddedFont>
-      <p:font typeface="Inkulinati 210706" pitchFamily="50" charset="-52"/>
-      <p:regular r:id="rId12"/>
+      <p:regular r:id="rId21"/>
     </p:embeddedFont>
   </p:embeddedFontLst>
   <p:defaultTextStyle>
@@ -1028,110 +1043,6 @@
 </p:notes>
 </file>
 
-<file path=ppt/notesSlides/notesSlide4.xml><?xml version="1.0" encoding="utf-8"?>
-<p:notes xmlns:a="http://schemas.openxmlformats.org/drawingml/2006/main" xmlns:r="http://schemas.openxmlformats.org/officeDocument/2006/relationships" xmlns:p="http://schemas.openxmlformats.org/presentationml/2006/main" showMasterSp="0" showMasterPhAnim="0">
-  <p:cSld>
-    <p:spTree>
-      <p:nvGrpSpPr>
-        <p:cNvPr id="1" name="Shape 1117"/>
-        <p:cNvGrpSpPr/>
-        <p:nvPr/>
-      </p:nvGrpSpPr>
-      <p:grpSpPr>
-        <a:xfrm>
-          <a:off x="0" y="0"/>
-          <a:ext cx="0" cy="0"/>
-          <a:chOff x="0" y="0"/>
-          <a:chExt cx="0" cy="0"/>
-        </a:xfrm>
-      </p:grpSpPr>
-      <p:sp>
-        <p:nvSpPr>
-          <p:cNvPr id="1118" name="Google Shape;1118;ge207fd22f2_0_51:notes"/>
-          <p:cNvSpPr>
-            <a:spLocks noGrp="1" noRot="1" noChangeAspect="1"/>
-          </p:cNvSpPr>
-          <p:nvPr>
-            <p:ph type="sldImg" idx="2"/>
-          </p:nvPr>
-        </p:nvSpPr>
-        <p:spPr>
-          <a:xfrm>
-            <a:off x="381000" y="685800"/>
-            <a:ext cx="6096000" cy="3429000"/>
-          </a:xfrm>
-          <a:custGeom>
-            <a:avLst/>
-            <a:gdLst/>
-            <a:ahLst/>
-            <a:cxnLst/>
-            <a:rect l="l" t="t" r="r" b="b"/>
-            <a:pathLst>
-              <a:path w="120000" h="120000" extrusionOk="0">
-                <a:moveTo>
-                  <a:pt x="0" y="0"/>
-                </a:moveTo>
-                <a:lnTo>
-                  <a:pt x="120000" y="0"/>
-                </a:lnTo>
-                <a:lnTo>
-                  <a:pt x="120000" y="120000"/>
-                </a:lnTo>
-                <a:lnTo>
-                  <a:pt x="0" y="120000"/>
-                </a:lnTo>
-                <a:close/>
-              </a:path>
-            </a:pathLst>
-          </a:custGeom>
-        </p:spPr>
-      </p:sp>
-      <p:sp>
-        <p:nvSpPr>
-          <p:cNvPr id="1119" name="Google Shape;1119;ge207fd22f2_0_51:notes"/>
-          <p:cNvSpPr txBox="1">
-            <a:spLocks noGrp="1"/>
-          </p:cNvSpPr>
-          <p:nvPr>
-            <p:ph type="body" idx="1"/>
-          </p:nvPr>
-        </p:nvSpPr>
-        <p:spPr>
-          <a:xfrm>
-            <a:off x="685800" y="4343400"/>
-            <a:ext cx="5486400" cy="4114800"/>
-          </a:xfrm>
-          <a:prstGeom prst="rect">
-            <a:avLst/>
-          </a:prstGeom>
-        </p:spPr>
-        <p:txBody>
-          <a:bodyPr spcFirstLastPara="1" wrap="square" lIns="91425" tIns="91425" rIns="91425" bIns="91425" anchor="t" anchorCtr="0">
-            <a:noAutofit/>
-          </a:bodyPr>
-          <a:lstStyle/>
-          <a:p>
-            <a:pPr marL="0" lvl="0" indent="0" algn="l" rtl="0">
-              <a:spcBef>
-                <a:spcPts val="0"/>
-              </a:spcBef>
-              <a:spcAft>
-                <a:spcPts val="0"/>
-              </a:spcAft>
-              <a:buNone/>
-            </a:pPr>
-            <a:endParaRPr/>
-          </a:p>
-        </p:txBody>
-      </p:sp>
-    </p:spTree>
-  </p:cSld>
-  <p:clrMapOvr>
-    <a:masterClrMapping/>
-  </p:clrMapOvr>
-</p:notes>
-</file>
-
 <file path=ppt/slideLayouts/slideLayout1.xml><?xml version="1.0" encoding="utf-8"?>
 <p:sldLayout xmlns:a="http://schemas.openxmlformats.org/drawingml/2006/main" xmlns:r="http://schemas.openxmlformats.org/officeDocument/2006/relationships" xmlns:p="http://schemas.openxmlformats.org/presentationml/2006/main" matchingName="Title slide" type="title">
   <p:cSld name="TITLE">
@@ -7156,7 +7067,7 @@
                 <a:hlinkClick r:id="rId2">
                   <a:extLst>
                     <a:ext uri="{A12FA001-AC4F-418D-AE19-62706E023703}">
-                      <ahyp:hlinkClr xmlns:ahyp="http://schemas.microsoft.com/office/drawing/2018/hyperlinkcolor" val="tx"/>
+                      <ahyp:hlinkClr xmlns="" xmlns:ahyp="http://schemas.microsoft.com/office/drawing/2018/hyperlinkcolor" val="tx"/>
                     </a:ext>
                   </a:extLst>
                 </a:hlinkClick>
@@ -7190,7 +7101,7 @@
                 <a:hlinkClick r:id="rId3">
                   <a:extLst>
                     <a:ext uri="{A12FA001-AC4F-418D-AE19-62706E023703}">
-                      <ahyp:hlinkClr xmlns:ahyp="http://schemas.microsoft.com/office/drawing/2018/hyperlinkcolor" val="tx"/>
+                      <ahyp:hlinkClr xmlns="" xmlns:ahyp="http://schemas.microsoft.com/office/drawing/2018/hyperlinkcolor" val="tx"/>
                     </a:ext>
                   </a:extLst>
                 </a:hlinkClick>
@@ -7224,7 +7135,7 @@
                 <a:hlinkClick r:id="rId4">
                   <a:extLst>
                     <a:ext uri="{A12FA001-AC4F-418D-AE19-62706E023703}">
-                      <ahyp:hlinkClr xmlns:ahyp="http://schemas.microsoft.com/office/drawing/2018/hyperlinkcolor" val="tx"/>
+                      <ahyp:hlinkClr xmlns="" xmlns:ahyp="http://schemas.microsoft.com/office/drawing/2018/hyperlinkcolor" val="tx"/>
                     </a:ext>
                   </a:extLst>
                 </a:hlinkClick>
@@ -7952,467 +7863,6 @@
 </file>
 
 <file path=ppt/slideLayouts/slideLayout6.xml><?xml version="1.0" encoding="utf-8"?>
-<p:sldLayout xmlns:a="http://schemas.openxmlformats.org/drawingml/2006/main" xmlns:r="http://schemas.openxmlformats.org/officeDocument/2006/relationships" xmlns:p="http://schemas.openxmlformats.org/presentationml/2006/main" matchingName="Background 1">
-  <p:cSld name="BLANK_1_1_1_1_1_1_1_1">
-    <p:spTree>
-      <p:nvGrpSpPr>
-        <p:cNvPr id="1" name="Shape 236"/>
-        <p:cNvGrpSpPr/>
-        <p:nvPr/>
-      </p:nvGrpSpPr>
-      <p:grpSpPr>
-        <a:xfrm>
-          <a:off x="0" y="0"/>
-          <a:ext cx="0" cy="0"/>
-          <a:chOff x="0" y="0"/>
-          <a:chExt cx="0" cy="0"/>
-        </a:xfrm>
-      </p:grpSpPr>
-      <p:sp>
-        <p:nvSpPr>
-          <p:cNvPr id="237" name="Google Shape;237;p22"/>
-          <p:cNvSpPr/>
-          <p:nvPr/>
-        </p:nvSpPr>
-        <p:spPr>
-          <a:xfrm flipH="1">
-            <a:off x="-324032" y="2183509"/>
-            <a:ext cx="1845060" cy="776490"/>
-          </a:xfrm>
-          <a:custGeom>
-            <a:avLst/>
-            <a:gdLst/>
-            <a:ahLst/>
-            <a:cxnLst/>
-            <a:rect l="l" t="t" r="r" b="b"/>
-            <a:pathLst>
-              <a:path w="95500" h="40191" extrusionOk="0">
-                <a:moveTo>
-                  <a:pt x="66409" y="0"/>
-                </a:moveTo>
-                <a:cubicBezTo>
-                  <a:pt x="64164" y="0"/>
-                  <a:pt x="62227" y="461"/>
-                  <a:pt x="60750" y="819"/>
-                </a:cubicBezTo>
-                <a:cubicBezTo>
-                  <a:pt x="57256" y="1639"/>
-                  <a:pt x="53979" y="3205"/>
-                  <a:pt x="51087" y="5350"/>
-                </a:cubicBezTo>
-                <a:cubicBezTo>
-                  <a:pt x="49273" y="6711"/>
-                  <a:pt x="47083" y="7415"/>
-                  <a:pt x="44862" y="7415"/>
-                </a:cubicBezTo>
-                <a:cubicBezTo>
-                  <a:pt x="43898" y="7415"/>
-                  <a:pt x="42927" y="7282"/>
-                  <a:pt x="41978" y="7012"/>
-                </a:cubicBezTo>
-                <a:cubicBezTo>
-                  <a:pt x="41118" y="6741"/>
-                  <a:pt x="40228" y="6609"/>
-                  <a:pt x="39341" y="6609"/>
-                </a:cubicBezTo>
-                <a:cubicBezTo>
-                  <a:pt x="38415" y="6609"/>
-                  <a:pt x="37491" y="6753"/>
-                  <a:pt x="36604" y="7037"/>
-                </a:cubicBezTo>
-                <a:cubicBezTo>
-                  <a:pt x="32821" y="8241"/>
-                  <a:pt x="32869" y="11398"/>
-                  <a:pt x="28532" y="13615"/>
-                </a:cubicBezTo>
-                <a:cubicBezTo>
-                  <a:pt x="27472" y="14164"/>
-                  <a:pt x="26466" y="14368"/>
-                  <a:pt x="25481" y="14368"/>
-                </a:cubicBezTo>
-                <a:cubicBezTo>
-                  <a:pt x="22594" y="14368"/>
-                  <a:pt x="19890" y="12608"/>
-                  <a:pt x="16542" y="12608"/>
-                </a:cubicBezTo>
-                <a:cubicBezTo>
-                  <a:pt x="15817" y="12608"/>
-                  <a:pt x="15061" y="12691"/>
-                  <a:pt x="14266" y="12892"/>
-                </a:cubicBezTo>
-                <a:cubicBezTo>
-                  <a:pt x="7013" y="14724"/>
-                  <a:pt x="0" y="23881"/>
-                  <a:pt x="3663" y="30098"/>
-                </a:cubicBezTo>
-                <a:cubicBezTo>
-                  <a:pt x="7207" y="36139"/>
-                  <a:pt x="12262" y="37898"/>
-                  <a:pt x="16946" y="37898"/>
-                </a:cubicBezTo>
-                <a:cubicBezTo>
-                  <a:pt x="23472" y="37898"/>
-                  <a:pt x="29279" y="34484"/>
-                  <a:pt x="29279" y="34484"/>
-                </a:cubicBezTo>
-                <a:cubicBezTo>
-                  <a:pt x="29279" y="34484"/>
-                  <a:pt x="32749" y="37809"/>
-                  <a:pt x="36604" y="39231"/>
-                </a:cubicBezTo>
-                <a:cubicBezTo>
-                  <a:pt x="37149" y="39445"/>
-                  <a:pt x="39162" y="40191"/>
-                  <a:pt x="41678" y="40191"/>
-                </a:cubicBezTo>
-                <a:cubicBezTo>
-                  <a:pt x="42836" y="40191"/>
-                  <a:pt x="44100" y="40033"/>
-                  <a:pt x="45376" y="39592"/>
-                </a:cubicBezTo>
-                <a:cubicBezTo>
-                  <a:pt x="48846" y="38412"/>
-                  <a:pt x="49063" y="36291"/>
-                  <a:pt x="51979" y="35930"/>
-                </a:cubicBezTo>
-                <a:cubicBezTo>
-                  <a:pt x="52194" y="35904"/>
-                  <a:pt x="52394" y="35892"/>
-                  <a:pt x="52584" y="35892"/>
-                </a:cubicBezTo>
-                <a:cubicBezTo>
-                  <a:pt x="54373" y="35892"/>
-                  <a:pt x="55224" y="36970"/>
-                  <a:pt x="58557" y="38146"/>
-                </a:cubicBezTo>
-                <a:cubicBezTo>
-                  <a:pt x="60333" y="38760"/>
-                  <a:pt x="63483" y="39860"/>
-                  <a:pt x="66709" y="39860"/>
-                </a:cubicBezTo>
-                <a:cubicBezTo>
-                  <a:pt x="68298" y="39860"/>
-                  <a:pt x="69906" y="39593"/>
-                  <a:pt x="71377" y="38869"/>
-                </a:cubicBezTo>
-                <a:cubicBezTo>
-                  <a:pt x="74341" y="37399"/>
-                  <a:pt x="73884" y="35423"/>
-                  <a:pt x="76848" y="34484"/>
-                </a:cubicBezTo>
-                <a:cubicBezTo>
-                  <a:pt x="77541" y="34260"/>
-                  <a:pt x="78153" y="34177"/>
-                  <a:pt x="78733" y="34177"/>
-                </a:cubicBezTo>
-                <a:cubicBezTo>
-                  <a:pt x="80408" y="34177"/>
-                  <a:pt x="81811" y="34871"/>
-                  <a:pt x="84135" y="34871"/>
-                </a:cubicBezTo>
-                <a:cubicBezTo>
-                  <a:pt x="84386" y="34871"/>
-                  <a:pt x="84647" y="34863"/>
-                  <a:pt x="84920" y="34845"/>
-                </a:cubicBezTo>
-                <a:lnTo>
-                  <a:pt x="85089" y="34845"/>
-                </a:lnTo>
-                <a:cubicBezTo>
-                  <a:pt x="89427" y="34484"/>
-                  <a:pt x="93089" y="31423"/>
-                  <a:pt x="94222" y="27206"/>
-                </a:cubicBezTo>
-                <a:cubicBezTo>
-                  <a:pt x="95499" y="22507"/>
-                  <a:pt x="94848" y="20242"/>
-                  <a:pt x="93692" y="19109"/>
-                </a:cubicBezTo>
-                <a:cubicBezTo>
-                  <a:pt x="91595" y="17037"/>
-                  <a:pt x="88246" y="19109"/>
-                  <a:pt x="84896" y="16555"/>
-                </a:cubicBezTo>
-                <a:cubicBezTo>
-                  <a:pt x="82245" y="14507"/>
-                  <a:pt x="83354" y="12386"/>
-                  <a:pt x="80510" y="8121"/>
-                </a:cubicBezTo>
-                <a:cubicBezTo>
-                  <a:pt x="79763" y="7012"/>
-                  <a:pt x="76775" y="2651"/>
-                  <a:pt x="71377" y="819"/>
-                </a:cubicBezTo>
-                <a:cubicBezTo>
-                  <a:pt x="69610" y="214"/>
-                  <a:pt x="67938" y="0"/>
-                  <a:pt x="66409" y="0"/>
-                </a:cubicBezTo>
-                <a:close/>
-              </a:path>
-            </a:pathLst>
-          </a:custGeom>
-          <a:solidFill>
-            <a:srgbClr val="FFFFFF">
-              <a:alpha val="17320"/>
-            </a:srgbClr>
-          </a:solidFill>
-          <a:ln w="28575" cap="flat" cmpd="sng">
-            <a:solidFill>
-              <a:srgbClr val="0E1956"/>
-            </a:solidFill>
-            <a:prstDash val="solid"/>
-            <a:round/>
-            <a:headEnd type="none" w="sm" len="sm"/>
-            <a:tailEnd type="none" w="sm" len="sm"/>
-          </a:ln>
-        </p:spPr>
-        <p:txBody>
-          <a:bodyPr spcFirstLastPara="1" wrap="square" lIns="91425" tIns="91425" rIns="91425" bIns="91425" anchor="ctr" anchorCtr="0">
-            <a:noAutofit/>
-          </a:bodyPr>
-          <a:lstStyle/>
-          <a:p>
-            <a:pPr marL="0" lvl="0" indent="0" algn="l" rtl="0">
-              <a:spcBef>
-                <a:spcPts val="0"/>
-              </a:spcBef>
-              <a:spcAft>
-                <a:spcPts val="0"/>
-              </a:spcAft>
-              <a:buNone/>
-            </a:pPr>
-            <a:endParaRPr/>
-          </a:p>
-        </p:txBody>
-      </p:sp>
-      <p:sp>
-        <p:nvSpPr>
-          <p:cNvPr id="238" name="Google Shape;238;p22"/>
-          <p:cNvSpPr/>
-          <p:nvPr/>
-        </p:nvSpPr>
-        <p:spPr>
-          <a:xfrm flipH="1">
-            <a:off x="7219418" y="151259"/>
-            <a:ext cx="1845060" cy="776490"/>
-          </a:xfrm>
-          <a:custGeom>
-            <a:avLst/>
-            <a:gdLst/>
-            <a:ahLst/>
-            <a:cxnLst/>
-            <a:rect l="l" t="t" r="r" b="b"/>
-            <a:pathLst>
-              <a:path w="95500" h="40191" extrusionOk="0">
-                <a:moveTo>
-                  <a:pt x="66409" y="0"/>
-                </a:moveTo>
-                <a:cubicBezTo>
-                  <a:pt x="64164" y="0"/>
-                  <a:pt x="62227" y="461"/>
-                  <a:pt x="60750" y="819"/>
-                </a:cubicBezTo>
-                <a:cubicBezTo>
-                  <a:pt x="57256" y="1639"/>
-                  <a:pt x="53979" y="3205"/>
-                  <a:pt x="51087" y="5350"/>
-                </a:cubicBezTo>
-                <a:cubicBezTo>
-                  <a:pt x="49273" y="6711"/>
-                  <a:pt x="47083" y="7415"/>
-                  <a:pt x="44862" y="7415"/>
-                </a:cubicBezTo>
-                <a:cubicBezTo>
-                  <a:pt x="43898" y="7415"/>
-                  <a:pt x="42927" y="7282"/>
-                  <a:pt x="41978" y="7012"/>
-                </a:cubicBezTo>
-                <a:cubicBezTo>
-                  <a:pt x="41118" y="6741"/>
-                  <a:pt x="40228" y="6609"/>
-                  <a:pt x="39341" y="6609"/>
-                </a:cubicBezTo>
-                <a:cubicBezTo>
-                  <a:pt x="38415" y="6609"/>
-                  <a:pt x="37491" y="6753"/>
-                  <a:pt x="36604" y="7037"/>
-                </a:cubicBezTo>
-                <a:cubicBezTo>
-                  <a:pt x="32821" y="8241"/>
-                  <a:pt x="32869" y="11398"/>
-                  <a:pt x="28532" y="13615"/>
-                </a:cubicBezTo>
-                <a:cubicBezTo>
-                  <a:pt x="27472" y="14164"/>
-                  <a:pt x="26466" y="14368"/>
-                  <a:pt x="25481" y="14368"/>
-                </a:cubicBezTo>
-                <a:cubicBezTo>
-                  <a:pt x="22594" y="14368"/>
-                  <a:pt x="19890" y="12608"/>
-                  <a:pt x="16542" y="12608"/>
-                </a:cubicBezTo>
-                <a:cubicBezTo>
-                  <a:pt x="15817" y="12608"/>
-                  <a:pt x="15061" y="12691"/>
-                  <a:pt x="14266" y="12892"/>
-                </a:cubicBezTo>
-                <a:cubicBezTo>
-                  <a:pt x="7013" y="14724"/>
-                  <a:pt x="0" y="23881"/>
-                  <a:pt x="3663" y="30098"/>
-                </a:cubicBezTo>
-                <a:cubicBezTo>
-                  <a:pt x="7207" y="36139"/>
-                  <a:pt x="12262" y="37898"/>
-                  <a:pt x="16946" y="37898"/>
-                </a:cubicBezTo>
-                <a:cubicBezTo>
-                  <a:pt x="23472" y="37898"/>
-                  <a:pt x="29279" y="34484"/>
-                  <a:pt x="29279" y="34484"/>
-                </a:cubicBezTo>
-                <a:cubicBezTo>
-                  <a:pt x="29279" y="34484"/>
-                  <a:pt x="32749" y="37809"/>
-                  <a:pt x="36604" y="39231"/>
-                </a:cubicBezTo>
-                <a:cubicBezTo>
-                  <a:pt x="37149" y="39445"/>
-                  <a:pt x="39162" y="40191"/>
-                  <a:pt x="41678" y="40191"/>
-                </a:cubicBezTo>
-                <a:cubicBezTo>
-                  <a:pt x="42836" y="40191"/>
-                  <a:pt x="44100" y="40033"/>
-                  <a:pt x="45376" y="39592"/>
-                </a:cubicBezTo>
-                <a:cubicBezTo>
-                  <a:pt x="48846" y="38412"/>
-                  <a:pt x="49063" y="36291"/>
-                  <a:pt x="51979" y="35930"/>
-                </a:cubicBezTo>
-                <a:cubicBezTo>
-                  <a:pt x="52194" y="35904"/>
-                  <a:pt x="52394" y="35892"/>
-                  <a:pt x="52584" y="35892"/>
-                </a:cubicBezTo>
-                <a:cubicBezTo>
-                  <a:pt x="54373" y="35892"/>
-                  <a:pt x="55224" y="36970"/>
-                  <a:pt x="58557" y="38146"/>
-                </a:cubicBezTo>
-                <a:cubicBezTo>
-                  <a:pt x="60333" y="38760"/>
-                  <a:pt x="63483" y="39860"/>
-                  <a:pt x="66709" y="39860"/>
-                </a:cubicBezTo>
-                <a:cubicBezTo>
-                  <a:pt x="68298" y="39860"/>
-                  <a:pt x="69906" y="39593"/>
-                  <a:pt x="71377" y="38869"/>
-                </a:cubicBezTo>
-                <a:cubicBezTo>
-                  <a:pt x="74341" y="37399"/>
-                  <a:pt x="73884" y="35423"/>
-                  <a:pt x="76848" y="34484"/>
-                </a:cubicBezTo>
-                <a:cubicBezTo>
-                  <a:pt x="77541" y="34260"/>
-                  <a:pt x="78153" y="34177"/>
-                  <a:pt x="78733" y="34177"/>
-                </a:cubicBezTo>
-                <a:cubicBezTo>
-                  <a:pt x="80408" y="34177"/>
-                  <a:pt x="81811" y="34871"/>
-                  <a:pt x="84135" y="34871"/>
-                </a:cubicBezTo>
-                <a:cubicBezTo>
-                  <a:pt x="84386" y="34871"/>
-                  <a:pt x="84647" y="34863"/>
-                  <a:pt x="84920" y="34845"/>
-                </a:cubicBezTo>
-                <a:lnTo>
-                  <a:pt x="85089" y="34845"/>
-                </a:lnTo>
-                <a:cubicBezTo>
-                  <a:pt x="89427" y="34484"/>
-                  <a:pt x="93089" y="31423"/>
-                  <a:pt x="94222" y="27206"/>
-                </a:cubicBezTo>
-                <a:cubicBezTo>
-                  <a:pt x="95499" y="22507"/>
-                  <a:pt x="94848" y="20242"/>
-                  <a:pt x="93692" y="19109"/>
-                </a:cubicBezTo>
-                <a:cubicBezTo>
-                  <a:pt x="91595" y="17037"/>
-                  <a:pt x="88246" y="19109"/>
-                  <a:pt x="84896" y="16555"/>
-                </a:cubicBezTo>
-                <a:cubicBezTo>
-                  <a:pt x="82245" y="14507"/>
-                  <a:pt x="83354" y="12386"/>
-                  <a:pt x="80510" y="8121"/>
-                </a:cubicBezTo>
-                <a:cubicBezTo>
-                  <a:pt x="79763" y="7012"/>
-                  <a:pt x="76775" y="2651"/>
-                  <a:pt x="71377" y="819"/>
-                </a:cubicBezTo>
-                <a:cubicBezTo>
-                  <a:pt x="69610" y="214"/>
-                  <a:pt x="67938" y="0"/>
-                  <a:pt x="66409" y="0"/>
-                </a:cubicBezTo>
-                <a:close/>
-              </a:path>
-            </a:pathLst>
-          </a:custGeom>
-          <a:solidFill>
-            <a:srgbClr val="FFFFFF">
-              <a:alpha val="17320"/>
-            </a:srgbClr>
-          </a:solidFill>
-          <a:ln w="28575" cap="flat" cmpd="sng">
-            <a:solidFill>
-              <a:srgbClr val="0E1956"/>
-            </a:solidFill>
-            <a:prstDash val="solid"/>
-            <a:round/>
-            <a:headEnd type="none" w="sm" len="sm"/>
-            <a:tailEnd type="none" w="sm" len="sm"/>
-          </a:ln>
-        </p:spPr>
-        <p:txBody>
-          <a:bodyPr spcFirstLastPara="1" wrap="square" lIns="91425" tIns="91425" rIns="91425" bIns="91425" anchor="ctr" anchorCtr="0">
-            <a:noAutofit/>
-          </a:bodyPr>
-          <a:lstStyle/>
-          <a:p>
-            <a:pPr marL="0" lvl="0" indent="0" algn="l" rtl="0">
-              <a:spcBef>
-                <a:spcPts val="0"/>
-              </a:spcBef>
-              <a:spcAft>
-                <a:spcPts val="0"/>
-              </a:spcAft>
-              <a:buNone/>
-            </a:pPr>
-            <a:endParaRPr/>
-          </a:p>
-        </p:txBody>
-      </p:sp>
-    </p:spTree>
-  </p:cSld>
-  <p:clrMapOvr>
-    <a:masterClrMapping/>
-  </p:clrMapOvr>
-</p:sldLayout>
-</file>
-
-<file path=ppt/slideLayouts/slideLayout7.xml><?xml version="1.0" encoding="utf-8"?>
 <p:sldLayout xmlns:a="http://schemas.openxmlformats.org/drawingml/2006/main" xmlns:r="http://schemas.openxmlformats.org/officeDocument/2006/relationships" xmlns:p="http://schemas.openxmlformats.org/presentationml/2006/main" matchingName="Background">
   <p:cSld name="BLANK_1_1_1_1_1_1_1">
     <p:spTree>
@@ -11329,7 +10779,7 @@
     <p:bg>
       <p:bgPr>
         <a:blipFill>
-          <a:blip r:embed="rId9">
+          <a:blip r:embed="rId8">
             <a:alphaModFix/>
           </a:blip>
           <a:stretch>
@@ -11871,8 +11321,7 @@
     <p:sldLayoutId id="2147483659" r:id="rId3"/>
     <p:sldLayoutId id="2147483663" r:id="rId4"/>
     <p:sldLayoutId id="2147483667" r:id="rId5"/>
-    <p:sldLayoutId id="2147483668" r:id="rId6"/>
-    <p:sldLayoutId id="2147483669" r:id="rId7"/>
+    <p:sldLayoutId id="2147483669" r:id="rId6"/>
   </p:sldLayoutIdLst>
   <p:hf hdr="0" ftr="0" dt="0"/>
   <p:txStyles>
@@ -13499,6 +12948,376 @@
           </a:prstGeom>
         </p:spPr>
       </p:pic>
+      <p:sp>
+        <p:nvSpPr>
+          <p:cNvPr id="17" name="Google Shape;1123;p47"/>
+          <p:cNvSpPr txBox="1">
+            <a:spLocks/>
+          </p:cNvSpPr>
+          <p:nvPr/>
+        </p:nvSpPr>
+        <p:spPr>
+          <a:xfrm>
+            <a:off x="5497286" y="3629131"/>
+            <a:ext cx="3646714" cy="1512710"/>
+          </a:xfrm>
+          <a:prstGeom prst="rect">
+            <a:avLst/>
+          </a:prstGeom>
+          <a:noFill/>
+          <a:ln>
+            <a:noFill/>
+          </a:ln>
+        </p:spPr>
+        <p:txBody>
+          <a:bodyPr spcFirstLastPara="1" wrap="square" lIns="91425" tIns="91425" rIns="91425" bIns="91425" anchor="ctr" anchorCtr="0">
+            <a:noAutofit/>
+          </a:bodyPr>
+          <a:lstStyle>
+            <a:defPPr marR="0" lvl="0" algn="l" rtl="0">
+              <a:lnSpc>
+                <a:spcPct val="100000"/>
+              </a:lnSpc>
+              <a:spcBef>
+                <a:spcPts val="0"/>
+              </a:spcBef>
+              <a:spcAft>
+                <a:spcPts val="0"/>
+              </a:spcAft>
+            </a:defPPr>
+            <a:lvl1pPr marL="457200" marR="0" lvl="0" indent="-317500" algn="l" rtl="0">
+              <a:lnSpc>
+                <a:spcPct val="115000"/>
+              </a:lnSpc>
+              <a:spcBef>
+                <a:spcPts val="0"/>
+              </a:spcBef>
+              <a:spcAft>
+                <a:spcPts val="0"/>
+              </a:spcAft>
+              <a:buClr>
+                <a:schemeClr val="lt1"/>
+              </a:buClr>
+              <a:buSzPts val="1400"/>
+              <a:buFont typeface="Anaheim"/>
+              <a:buChar char="●"/>
+              <a:defRPr sz="1400" b="0" i="0" u="none" strike="noStrike" cap="none">
+                <a:solidFill>
+                  <a:schemeClr val="lt1"/>
+                </a:solidFill>
+                <a:latin typeface="Anaheim"/>
+                <a:ea typeface="Anaheim"/>
+                <a:cs typeface="Anaheim"/>
+                <a:sym typeface="Anaheim"/>
+              </a:defRPr>
+            </a:lvl1pPr>
+            <a:lvl2pPr marL="914400" marR="0" lvl="1" indent="-317500" algn="l" rtl="0">
+              <a:lnSpc>
+                <a:spcPct val="115000"/>
+              </a:lnSpc>
+              <a:spcBef>
+                <a:spcPts val="1600"/>
+              </a:spcBef>
+              <a:spcAft>
+                <a:spcPts val="0"/>
+              </a:spcAft>
+              <a:buClr>
+                <a:schemeClr val="lt1"/>
+              </a:buClr>
+              <a:buSzPts val="1400"/>
+              <a:buFont typeface="Anaheim"/>
+              <a:buChar char="○"/>
+              <a:defRPr sz="1400" b="0" i="0" u="none" strike="noStrike" cap="none">
+                <a:solidFill>
+                  <a:schemeClr val="lt1"/>
+                </a:solidFill>
+                <a:latin typeface="Anaheim"/>
+                <a:ea typeface="Anaheim"/>
+                <a:cs typeface="Anaheim"/>
+                <a:sym typeface="Anaheim"/>
+              </a:defRPr>
+            </a:lvl2pPr>
+            <a:lvl3pPr marL="1371600" marR="0" lvl="2" indent="-317500" algn="l" rtl="0">
+              <a:lnSpc>
+                <a:spcPct val="115000"/>
+              </a:lnSpc>
+              <a:spcBef>
+                <a:spcPts val="1600"/>
+              </a:spcBef>
+              <a:spcAft>
+                <a:spcPts val="0"/>
+              </a:spcAft>
+              <a:buClr>
+                <a:schemeClr val="lt1"/>
+              </a:buClr>
+              <a:buSzPts val="1400"/>
+              <a:buFont typeface="Anaheim"/>
+              <a:buChar char="■"/>
+              <a:defRPr sz="1400" b="0" i="0" u="none" strike="noStrike" cap="none">
+                <a:solidFill>
+                  <a:schemeClr val="lt1"/>
+                </a:solidFill>
+                <a:latin typeface="Anaheim"/>
+                <a:ea typeface="Anaheim"/>
+                <a:cs typeface="Anaheim"/>
+                <a:sym typeface="Anaheim"/>
+              </a:defRPr>
+            </a:lvl3pPr>
+            <a:lvl4pPr marL="1828800" marR="0" lvl="3" indent="-317500" algn="l" rtl="0">
+              <a:lnSpc>
+                <a:spcPct val="115000"/>
+              </a:lnSpc>
+              <a:spcBef>
+                <a:spcPts val="1600"/>
+              </a:spcBef>
+              <a:spcAft>
+                <a:spcPts val="0"/>
+              </a:spcAft>
+              <a:buClr>
+                <a:schemeClr val="lt1"/>
+              </a:buClr>
+              <a:buSzPts val="1400"/>
+              <a:buFont typeface="Anaheim"/>
+              <a:buChar char="●"/>
+              <a:defRPr sz="1400" b="0" i="0" u="none" strike="noStrike" cap="none">
+                <a:solidFill>
+                  <a:schemeClr val="lt1"/>
+                </a:solidFill>
+                <a:latin typeface="Anaheim"/>
+                <a:ea typeface="Anaheim"/>
+                <a:cs typeface="Anaheim"/>
+                <a:sym typeface="Anaheim"/>
+              </a:defRPr>
+            </a:lvl4pPr>
+            <a:lvl5pPr marL="2286000" marR="0" lvl="4" indent="-317500" algn="l" rtl="0">
+              <a:lnSpc>
+                <a:spcPct val="115000"/>
+              </a:lnSpc>
+              <a:spcBef>
+                <a:spcPts val="1600"/>
+              </a:spcBef>
+              <a:spcAft>
+                <a:spcPts val="0"/>
+              </a:spcAft>
+              <a:buClr>
+                <a:schemeClr val="lt1"/>
+              </a:buClr>
+              <a:buSzPts val="1400"/>
+              <a:buFont typeface="Anaheim"/>
+              <a:buChar char="○"/>
+              <a:defRPr sz="1400" b="0" i="0" u="none" strike="noStrike" cap="none">
+                <a:solidFill>
+                  <a:schemeClr val="lt1"/>
+                </a:solidFill>
+                <a:latin typeface="Anaheim"/>
+                <a:ea typeface="Anaheim"/>
+                <a:cs typeface="Anaheim"/>
+                <a:sym typeface="Anaheim"/>
+              </a:defRPr>
+            </a:lvl5pPr>
+            <a:lvl6pPr marL="2743200" marR="0" lvl="5" indent="-317500" algn="l" rtl="0">
+              <a:lnSpc>
+                <a:spcPct val="115000"/>
+              </a:lnSpc>
+              <a:spcBef>
+                <a:spcPts val="1600"/>
+              </a:spcBef>
+              <a:spcAft>
+                <a:spcPts val="0"/>
+              </a:spcAft>
+              <a:buClr>
+                <a:schemeClr val="lt1"/>
+              </a:buClr>
+              <a:buSzPts val="1400"/>
+              <a:buFont typeface="Anaheim"/>
+              <a:buChar char="■"/>
+              <a:defRPr sz="1400" b="0" i="0" u="none" strike="noStrike" cap="none">
+                <a:solidFill>
+                  <a:schemeClr val="lt1"/>
+                </a:solidFill>
+                <a:latin typeface="Anaheim"/>
+                <a:ea typeface="Anaheim"/>
+                <a:cs typeface="Anaheim"/>
+                <a:sym typeface="Anaheim"/>
+              </a:defRPr>
+            </a:lvl6pPr>
+            <a:lvl7pPr marL="3200400" marR="0" lvl="6" indent="-317500" algn="l" rtl="0">
+              <a:lnSpc>
+                <a:spcPct val="115000"/>
+              </a:lnSpc>
+              <a:spcBef>
+                <a:spcPts val="1600"/>
+              </a:spcBef>
+              <a:spcAft>
+                <a:spcPts val="0"/>
+              </a:spcAft>
+              <a:buClr>
+                <a:schemeClr val="lt1"/>
+              </a:buClr>
+              <a:buSzPts val="1400"/>
+              <a:buFont typeface="Anaheim"/>
+              <a:buChar char="●"/>
+              <a:defRPr sz="1400" b="0" i="0" u="none" strike="noStrike" cap="none">
+                <a:solidFill>
+                  <a:schemeClr val="lt1"/>
+                </a:solidFill>
+                <a:latin typeface="Anaheim"/>
+                <a:ea typeface="Anaheim"/>
+                <a:cs typeface="Anaheim"/>
+                <a:sym typeface="Anaheim"/>
+              </a:defRPr>
+            </a:lvl7pPr>
+            <a:lvl8pPr marL="3657600" marR="0" lvl="7" indent="-317500" algn="l" rtl="0">
+              <a:lnSpc>
+                <a:spcPct val="115000"/>
+              </a:lnSpc>
+              <a:spcBef>
+                <a:spcPts val="1600"/>
+              </a:spcBef>
+              <a:spcAft>
+                <a:spcPts val="0"/>
+              </a:spcAft>
+              <a:buClr>
+                <a:schemeClr val="lt1"/>
+              </a:buClr>
+              <a:buSzPts val="1400"/>
+              <a:buFont typeface="Anaheim"/>
+              <a:buChar char="○"/>
+              <a:defRPr sz="1400" b="0" i="0" u="none" strike="noStrike" cap="none">
+                <a:solidFill>
+                  <a:schemeClr val="lt1"/>
+                </a:solidFill>
+                <a:latin typeface="Anaheim"/>
+                <a:ea typeface="Anaheim"/>
+                <a:cs typeface="Anaheim"/>
+                <a:sym typeface="Anaheim"/>
+              </a:defRPr>
+            </a:lvl8pPr>
+            <a:lvl9pPr marL="4114800" marR="0" lvl="8" indent="-317500" algn="l" rtl="0">
+              <a:lnSpc>
+                <a:spcPct val="115000"/>
+              </a:lnSpc>
+              <a:spcBef>
+                <a:spcPts val="1600"/>
+              </a:spcBef>
+              <a:spcAft>
+                <a:spcPts val="1600"/>
+              </a:spcAft>
+              <a:buClr>
+                <a:schemeClr val="lt1"/>
+              </a:buClr>
+              <a:buSzPts val="1400"/>
+              <a:buFont typeface="Anaheim"/>
+              <a:buChar char="■"/>
+              <a:defRPr sz="1400" b="0" i="0" u="none" strike="noStrike" cap="none">
+                <a:solidFill>
+                  <a:schemeClr val="lt1"/>
+                </a:solidFill>
+                <a:latin typeface="Anaheim"/>
+                <a:ea typeface="Anaheim"/>
+                <a:cs typeface="Anaheim"/>
+                <a:sym typeface="Anaheim"/>
+              </a:defRPr>
+            </a:lvl9pPr>
+          </a:lstStyle>
+          <a:p>
+            <a:pPr marL="0" indent="0" algn="r">
+              <a:buSzPts val="1100"/>
+              <a:buFont typeface="Arial"/>
+              <a:buNone/>
+            </a:pPr>
+            <a:r>
+              <a:rPr lang="ru-RU" sz="2000" dirty="0" smtClean="0">
+                <a:solidFill>
+                  <a:schemeClr val="tx1"/>
+                </a:solidFill>
+                <a:latin typeface="Amatic SC" panose="00000500000000000000" pitchFamily="2" charset="-79"/>
+                <a:cs typeface="Amatic SC" panose="00000500000000000000" pitchFamily="2" charset="-79"/>
+              </a:rPr>
+              <a:t>Идея и основные механики – Мочалов Никита.</a:t>
+            </a:r>
+          </a:p>
+          <a:p>
+            <a:pPr marL="0" indent="0" algn="r">
+              <a:buSzPts val="1100"/>
+              <a:buFont typeface="Arial"/>
+              <a:buNone/>
+            </a:pPr>
+            <a:r>
+              <a:rPr lang="ru-RU" sz="2000" dirty="0" smtClean="0">
+                <a:solidFill>
+                  <a:schemeClr val="tx1"/>
+                </a:solidFill>
+                <a:latin typeface="Amatic SC" panose="00000500000000000000" pitchFamily="2" charset="-79"/>
+                <a:cs typeface="Amatic SC" panose="00000500000000000000" pitchFamily="2" charset="-79"/>
+              </a:rPr>
+              <a:t>Работа с базой данных – Глазунов Никита.</a:t>
+            </a:r>
+          </a:p>
+          <a:p>
+            <a:pPr marL="0" indent="0" algn="r">
+              <a:buSzPts val="1100"/>
+              <a:buFont typeface="Arial"/>
+              <a:buNone/>
+            </a:pPr>
+            <a:endParaRPr lang="ru-RU" sz="2000" dirty="0" smtClean="0">
+              <a:solidFill>
+                <a:schemeClr val="tx1"/>
+              </a:solidFill>
+              <a:latin typeface="Amatic SC" panose="00000500000000000000" pitchFamily="2" charset="-79"/>
+              <a:cs typeface="Amatic SC" panose="00000500000000000000" pitchFamily="2" charset="-79"/>
+            </a:endParaRPr>
+          </a:p>
+          <a:p>
+            <a:pPr marL="0" indent="0" algn="r">
+              <a:buSzPts val="1100"/>
+              <a:buFont typeface="Anaheim"/>
+              <a:buNone/>
+            </a:pPr>
+            <a:r>
+              <a:rPr lang="ru-RU" sz="1800" dirty="0" smtClean="0">
+                <a:solidFill>
+                  <a:schemeClr val="tx1"/>
+                </a:solidFill>
+                <a:latin typeface="Amatic SC" panose="00000500000000000000" pitchFamily="2" charset="-79"/>
+                <a:ea typeface="Calibri" panose="020F0502020204030204" pitchFamily="34" charset="0"/>
+                <a:cs typeface="Amatic SC" panose="00000500000000000000" pitchFamily="2" charset="-79"/>
+              </a:rPr>
+              <a:t>Игра сделана по мотивам игры </a:t>
+            </a:r>
+            <a:r>
+              <a:rPr lang="en-US" sz="1800" dirty="0" smtClean="0">
+                <a:solidFill>
+                  <a:schemeClr val="tx1"/>
+                </a:solidFill>
+                <a:latin typeface="Amatic SC" panose="00000500000000000000" pitchFamily="2" charset="-79"/>
+                <a:ea typeface="Calibri" panose="020F0502020204030204" pitchFamily="34" charset="0"/>
+                <a:cs typeface="Amatic SC" panose="00000500000000000000" pitchFamily="2" charset="-79"/>
+              </a:rPr>
+              <a:t>Pixel Dungeon</a:t>
+            </a:r>
+            <a:r>
+              <a:rPr lang="ru-RU" sz="1800" dirty="0" smtClean="0">
+                <a:solidFill>
+                  <a:schemeClr val="tx1"/>
+                </a:solidFill>
+                <a:latin typeface="Amatic SC" panose="00000500000000000000" pitchFamily="2" charset="-79"/>
+                <a:ea typeface="Calibri" panose="020F0502020204030204" pitchFamily="34" charset="0"/>
+                <a:cs typeface="Amatic SC" panose="00000500000000000000" pitchFamily="2" charset="-79"/>
+              </a:rPr>
+              <a:t>.</a:t>
+            </a:r>
+            <a:endParaRPr lang="ru-RU" sz="1800" dirty="0">
+              <a:solidFill>
+                <a:schemeClr val="tx1"/>
+              </a:solidFill>
+              <a:latin typeface="Amatic SC" panose="00000500000000000000" pitchFamily="2" charset="-79"/>
+              <a:ea typeface="Calibri" panose="020F0502020204030204" pitchFamily="34" charset="0"/>
+              <a:cs typeface="Amatic SC" panose="00000500000000000000" pitchFamily="2" charset="-79"/>
+            </a:endParaRPr>
+          </a:p>
+        </p:txBody>
+      </p:sp>
     </p:spTree>
   </p:cSld>
   <p:clrMapOvr>
@@ -13508,6 +13327,725 @@
 </file>
 
 <file path=ppt/slides/slide2.xml><?xml version="1.0" encoding="utf-8"?>
+<p:sld xmlns:a="http://schemas.openxmlformats.org/drawingml/2006/main" xmlns:r="http://schemas.openxmlformats.org/officeDocument/2006/relationships" xmlns:p="http://schemas.openxmlformats.org/presentationml/2006/main">
+  <p:cSld>
+    <p:spTree>
+      <p:nvGrpSpPr>
+        <p:cNvPr id="1" name=""/>
+        <p:cNvGrpSpPr/>
+        <p:nvPr/>
+      </p:nvGrpSpPr>
+      <p:grpSpPr>
+        <a:xfrm>
+          <a:off x="0" y="0"/>
+          <a:ext cx="0" cy="0"/>
+          <a:chOff x="0" y="0"/>
+          <a:chExt cx="0" cy="0"/>
+        </a:xfrm>
+      </p:grpSpPr>
+      <p:sp>
+        <p:nvSpPr>
+          <p:cNvPr id="2" name="Подзаголовок 1"/>
+          <p:cNvSpPr>
+            <a:spLocks noGrp="1"/>
+          </p:cNvSpPr>
+          <p:nvPr>
+            <p:ph type="subTitle" idx="1"/>
+          </p:nvPr>
+        </p:nvSpPr>
+        <p:spPr>
+          <a:xfrm>
+            <a:off x="407578" y="1229907"/>
+            <a:ext cx="4159522" cy="3135992"/>
+          </a:xfrm>
+        </p:spPr>
+        <p:txBody>
+          <a:bodyPr/>
+          <a:lstStyle/>
+          <a:p>
+            <a:r>
+              <a:rPr lang="ru-RU" sz="2400" dirty="0" smtClean="0">
+                <a:latin typeface="Inkulinati 210706" panose="020B0604020202020204" charset="-52"/>
+              </a:rPr>
+              <a:t>Классы</a:t>
+            </a:r>
+            <a:r>
+              <a:rPr lang="ru-RU" dirty="0" smtClean="0"/>
+              <a:t>:</a:t>
+            </a:r>
+            <a:endParaRPr lang="en-US" dirty="0" smtClean="0"/>
+          </a:p>
+          <a:p>
+            <a:r>
+              <a:rPr lang="en-US" sz="2000" b="1" dirty="0" smtClean="0">
+                <a:latin typeface="Arial Narrow" panose="020B0606020202030204" pitchFamily="34" charset="0"/>
+                <a:cs typeface="Amatic SC" panose="020B0604020202020204" charset="-79"/>
+              </a:rPr>
+              <a:t>Database</a:t>
+            </a:r>
+            <a:r>
+              <a:rPr lang="en-US" sz="2000" dirty="0" smtClean="0">
+                <a:latin typeface="Arial Narrow" panose="020B0606020202030204" pitchFamily="34" charset="0"/>
+                <a:cs typeface="Amatic SC" panose="020B0604020202020204" charset="-79"/>
+              </a:rPr>
+              <a:t> (</a:t>
+            </a:r>
+            <a:r>
+              <a:rPr lang="ru-RU" sz="2000" i="1" dirty="0" smtClean="0">
+                <a:latin typeface="Arial Narrow" panose="020B0606020202030204" pitchFamily="34" charset="0"/>
+                <a:cs typeface="Amatic SC" panose="020B0604020202020204" charset="-79"/>
+              </a:rPr>
+              <a:t>файл </a:t>
+            </a:r>
+            <a:r>
+              <a:rPr lang="en-US" sz="2000" i="1" dirty="0" smtClean="0">
+                <a:latin typeface="Arial Narrow" panose="020B0606020202030204" pitchFamily="34" charset="0"/>
+                <a:cs typeface="Amatic SC" panose="020B0604020202020204" charset="-79"/>
+              </a:rPr>
+              <a:t>database.py</a:t>
+            </a:r>
+            <a:r>
+              <a:rPr lang="en-US" sz="2000" dirty="0" smtClean="0">
+                <a:latin typeface="Arial Narrow" panose="020B0606020202030204" pitchFamily="34" charset="0"/>
+                <a:cs typeface="Amatic SC" panose="020B0604020202020204" charset="-79"/>
+              </a:rPr>
+              <a:t>)</a:t>
+            </a:r>
+            <a:r>
+              <a:rPr lang="ru-RU" sz="2000" dirty="0" smtClean="0">
+                <a:latin typeface="Arial Narrow" panose="020B0606020202030204" pitchFamily="34" charset="0"/>
+                <a:cs typeface="Amatic SC" panose="020B0604020202020204" charset="-79"/>
+              </a:rPr>
+              <a:t> – класс дл</a:t>
+            </a:r>
+            <a:r>
+              <a:rPr lang="ru-RU" sz="2000" dirty="0" smtClean="0">
+                <a:latin typeface="Arial Narrow" panose="020B0606020202030204" pitchFamily="34" charset="0"/>
+                <a:cs typeface="Amatic SC" panose="020B0604020202020204" charset="-79"/>
+              </a:rPr>
+              <a:t>я работы с базой данных и хранении статистики игрока.</a:t>
+            </a:r>
+          </a:p>
+          <a:p>
+            <a:r>
+              <a:rPr lang="en-US" sz="2000" b="1" dirty="0" smtClean="0">
+                <a:latin typeface="Arial Narrow" panose="020B0606020202030204" pitchFamily="34" charset="0"/>
+                <a:cs typeface="Amatic SC" panose="020B0604020202020204" charset="-79"/>
+              </a:rPr>
+              <a:t>Player</a:t>
+            </a:r>
+            <a:r>
+              <a:rPr lang="en-US" sz="2000" dirty="0" smtClean="0">
+                <a:latin typeface="Arial Narrow" panose="020B0606020202030204" pitchFamily="34" charset="0"/>
+                <a:cs typeface="Amatic SC" panose="020B0604020202020204" charset="-79"/>
+              </a:rPr>
+              <a:t> (</a:t>
+            </a:r>
+            <a:r>
+              <a:rPr lang="ru-RU" sz="2000" i="1" dirty="0" smtClean="0">
+                <a:latin typeface="Arial Narrow" panose="020B0606020202030204" pitchFamily="34" charset="0"/>
+                <a:cs typeface="Amatic SC" panose="020B0604020202020204" charset="-79"/>
+              </a:rPr>
+              <a:t>файл </a:t>
+            </a:r>
+            <a:r>
+              <a:rPr lang="en-US" sz="2000" i="1" dirty="0" smtClean="0">
+                <a:latin typeface="Arial Narrow" panose="020B0606020202030204" pitchFamily="34" charset="0"/>
+                <a:cs typeface="Amatic SC" panose="020B0604020202020204" charset="-79"/>
+              </a:rPr>
+              <a:t>main.py</a:t>
+            </a:r>
+            <a:r>
+              <a:rPr lang="en-US" sz="2000" dirty="0" smtClean="0">
+                <a:latin typeface="Arial Narrow" panose="020B0606020202030204" pitchFamily="34" charset="0"/>
+                <a:cs typeface="Amatic SC" panose="020B0604020202020204" charset="-79"/>
+              </a:rPr>
+              <a:t>) – </a:t>
+            </a:r>
+            <a:r>
+              <a:rPr lang="ru-RU" sz="2000" dirty="0" smtClean="0">
+                <a:latin typeface="Arial Narrow" panose="020B0606020202030204" pitchFamily="34" charset="0"/>
+                <a:cs typeface="Amatic SC" panose="020B0604020202020204" charset="-79"/>
+              </a:rPr>
+              <a:t>класс главного персонажа.</a:t>
+            </a:r>
+          </a:p>
+          <a:p>
+            <a:r>
+              <a:rPr lang="en-US" sz="2000" b="1" dirty="0" err="1" smtClean="0">
+                <a:latin typeface="Arial Narrow" panose="020B0606020202030204" pitchFamily="34" charset="0"/>
+                <a:cs typeface="Amatic SC" panose="020B0604020202020204" charset="-79"/>
+              </a:rPr>
+              <a:t>Skelet</a:t>
+            </a:r>
+            <a:r>
+              <a:rPr lang="en-US" sz="2000" dirty="0" smtClean="0">
+                <a:latin typeface="Arial Narrow" panose="020B0606020202030204" pitchFamily="34" charset="0"/>
+                <a:cs typeface="Amatic SC" panose="020B0604020202020204" charset="-79"/>
+              </a:rPr>
+              <a:t> </a:t>
+            </a:r>
+            <a:r>
+              <a:rPr lang="ru-RU" sz="2000" dirty="0" smtClean="0">
+                <a:latin typeface="Arial Narrow" panose="020B0606020202030204" pitchFamily="34" charset="0"/>
+                <a:cs typeface="Amatic SC" panose="020B0604020202020204" charset="-79"/>
+              </a:rPr>
+              <a:t>и </a:t>
+            </a:r>
+            <a:r>
+              <a:rPr lang="en-US" sz="2000" b="1" dirty="0" err="1" smtClean="0">
+                <a:latin typeface="Arial Narrow" panose="020B0606020202030204" pitchFamily="34" charset="0"/>
+                <a:cs typeface="Amatic SC" panose="020B0604020202020204" charset="-79"/>
+              </a:rPr>
+              <a:t>Skeletb</a:t>
+            </a:r>
+            <a:r>
+              <a:rPr lang="en-US" sz="2000" dirty="0" smtClean="0">
+                <a:latin typeface="Arial Narrow" panose="020B0606020202030204" pitchFamily="34" charset="0"/>
+                <a:cs typeface="Amatic SC" panose="020B0604020202020204" charset="-79"/>
+              </a:rPr>
+              <a:t> (</a:t>
+            </a:r>
+            <a:r>
+              <a:rPr lang="ru-RU" sz="2000" i="1" dirty="0" smtClean="0">
+                <a:latin typeface="Arial Narrow" panose="020B0606020202030204" pitchFamily="34" charset="0"/>
+                <a:cs typeface="Amatic SC" panose="020B0604020202020204" charset="-79"/>
+              </a:rPr>
+              <a:t>файл </a:t>
+            </a:r>
+            <a:r>
+              <a:rPr lang="en-US" sz="2000" i="1" dirty="0" smtClean="0">
+                <a:latin typeface="Arial Narrow" panose="020B0606020202030204" pitchFamily="34" charset="0"/>
+                <a:cs typeface="Amatic SC" panose="020B0604020202020204" charset="-79"/>
+              </a:rPr>
+              <a:t>main.py</a:t>
+            </a:r>
+            <a:r>
+              <a:rPr lang="en-US" sz="2000" dirty="0" smtClean="0">
+                <a:latin typeface="Arial Narrow" panose="020B0606020202030204" pitchFamily="34" charset="0"/>
+                <a:cs typeface="Amatic SC" panose="020B0604020202020204" charset="-79"/>
+              </a:rPr>
+              <a:t>) – </a:t>
+            </a:r>
+            <a:r>
+              <a:rPr lang="ru-RU" sz="2000" dirty="0" smtClean="0">
+                <a:latin typeface="Arial Narrow" panose="020B0606020202030204" pitchFamily="34" charset="0"/>
+                <a:cs typeface="Amatic SC" panose="020B0604020202020204" charset="-79"/>
+              </a:rPr>
+              <a:t>класс скелетов (врагов).</a:t>
+            </a:r>
+          </a:p>
+          <a:p>
+            <a:endParaRPr lang="ru-RU" sz="2000" dirty="0" smtClean="0">
+              <a:latin typeface="Arial Narrow" panose="020B0606020202030204" pitchFamily="34" charset="0"/>
+              <a:cs typeface="Amatic SC" panose="020B0604020202020204" charset="-79"/>
+            </a:endParaRPr>
+          </a:p>
+          <a:p>
+            <a:endParaRPr lang="ru-RU" dirty="0"/>
+          </a:p>
+        </p:txBody>
+      </p:sp>
+      <p:sp>
+        <p:nvSpPr>
+          <p:cNvPr id="3" name="Заголовок 2"/>
+          <p:cNvSpPr>
+            <a:spLocks noGrp="1"/>
+          </p:cNvSpPr>
+          <p:nvPr>
+            <p:ph type="title"/>
+          </p:nvPr>
+        </p:nvSpPr>
+        <p:spPr/>
+        <p:txBody>
+          <a:bodyPr/>
+          <a:lstStyle/>
+          <a:p>
+            <a:r>
+              <a:rPr lang="ru-RU" dirty="0" smtClean="0">
+                <a:latin typeface="Inkulinati 210706" panose="020B0604020202020204" charset="-52"/>
+              </a:rPr>
+              <a:t>Реализация</a:t>
+            </a:r>
+            <a:endParaRPr lang="ru-RU" dirty="0">
+              <a:latin typeface="Inkulinati 210706" panose="020B0604020202020204" charset="-52"/>
+            </a:endParaRPr>
+          </a:p>
+        </p:txBody>
+      </p:sp>
+      <p:sp>
+        <p:nvSpPr>
+          <p:cNvPr id="4" name="Подзаголовок 1"/>
+          <p:cNvSpPr txBox="1">
+            <a:spLocks/>
+          </p:cNvSpPr>
+          <p:nvPr/>
+        </p:nvSpPr>
+        <p:spPr>
+          <a:xfrm>
+            <a:off x="4567100" y="1235439"/>
+            <a:ext cx="4159522" cy="3135992"/>
+          </a:xfrm>
+          <a:prstGeom prst="rect">
+            <a:avLst/>
+          </a:prstGeom>
+          <a:noFill/>
+          <a:ln>
+            <a:noFill/>
+          </a:ln>
+        </p:spPr>
+        <p:txBody>
+          <a:bodyPr spcFirstLastPara="1" wrap="square" lIns="91425" tIns="91425" rIns="91425" bIns="91425" anchor="ctr" anchorCtr="0">
+            <a:noAutofit/>
+          </a:bodyPr>
+          <a:lstStyle>
+            <a:defPPr marR="0" lvl="0" algn="l" rtl="0">
+              <a:lnSpc>
+                <a:spcPct val="100000"/>
+              </a:lnSpc>
+              <a:spcBef>
+                <a:spcPts val="0"/>
+              </a:spcBef>
+              <a:spcAft>
+                <a:spcPts val="0"/>
+              </a:spcAft>
+            </a:defPPr>
+            <a:lvl1pPr marL="457200" marR="0" lvl="0" indent="-317500" algn="ctr" rtl="0">
+              <a:lnSpc>
+                <a:spcPct val="100000"/>
+              </a:lnSpc>
+              <a:spcBef>
+                <a:spcPts val="0"/>
+              </a:spcBef>
+              <a:spcAft>
+                <a:spcPts val="0"/>
+              </a:spcAft>
+              <a:buClr>
+                <a:schemeClr val="lt1"/>
+              </a:buClr>
+              <a:buSzPts val="1400"/>
+              <a:buFont typeface="Anaheim"/>
+              <a:buNone/>
+              <a:defRPr sz="1800" b="0" i="0" u="none" strike="noStrike" cap="none">
+                <a:solidFill>
+                  <a:schemeClr val="lt1"/>
+                </a:solidFill>
+                <a:latin typeface="Anaheim"/>
+                <a:ea typeface="Anaheim"/>
+                <a:cs typeface="Anaheim"/>
+                <a:sym typeface="Anaheim"/>
+              </a:defRPr>
+            </a:lvl1pPr>
+            <a:lvl2pPr marL="914400" marR="0" lvl="1" indent="-317500" algn="r" rtl="0">
+              <a:lnSpc>
+                <a:spcPct val="100000"/>
+              </a:lnSpc>
+              <a:spcBef>
+                <a:spcPts val="0"/>
+              </a:spcBef>
+              <a:spcAft>
+                <a:spcPts val="0"/>
+              </a:spcAft>
+              <a:buClr>
+                <a:schemeClr val="lt1"/>
+              </a:buClr>
+              <a:buSzPts val="1400"/>
+              <a:buFont typeface="Anaheim"/>
+              <a:buNone/>
+              <a:defRPr sz="1400" b="0" i="0" u="none" strike="noStrike" cap="none">
+                <a:solidFill>
+                  <a:schemeClr val="lt1"/>
+                </a:solidFill>
+                <a:latin typeface="Anaheim"/>
+                <a:ea typeface="Anaheim"/>
+                <a:cs typeface="Anaheim"/>
+                <a:sym typeface="Anaheim"/>
+              </a:defRPr>
+            </a:lvl2pPr>
+            <a:lvl3pPr marL="1371600" marR="0" lvl="2" indent="-317500" algn="r" rtl="0">
+              <a:lnSpc>
+                <a:spcPct val="100000"/>
+              </a:lnSpc>
+              <a:spcBef>
+                <a:spcPts val="0"/>
+              </a:spcBef>
+              <a:spcAft>
+                <a:spcPts val="0"/>
+              </a:spcAft>
+              <a:buClr>
+                <a:schemeClr val="lt1"/>
+              </a:buClr>
+              <a:buSzPts val="1400"/>
+              <a:buFont typeface="Anaheim"/>
+              <a:buNone/>
+              <a:defRPr sz="1400" b="0" i="0" u="none" strike="noStrike" cap="none">
+                <a:solidFill>
+                  <a:schemeClr val="lt1"/>
+                </a:solidFill>
+                <a:latin typeface="Anaheim"/>
+                <a:ea typeface="Anaheim"/>
+                <a:cs typeface="Anaheim"/>
+                <a:sym typeface="Anaheim"/>
+              </a:defRPr>
+            </a:lvl3pPr>
+            <a:lvl4pPr marL="1828800" marR="0" lvl="3" indent="-317500" algn="r" rtl="0">
+              <a:lnSpc>
+                <a:spcPct val="100000"/>
+              </a:lnSpc>
+              <a:spcBef>
+                <a:spcPts val="0"/>
+              </a:spcBef>
+              <a:spcAft>
+                <a:spcPts val="0"/>
+              </a:spcAft>
+              <a:buClr>
+                <a:schemeClr val="lt1"/>
+              </a:buClr>
+              <a:buSzPts val="1400"/>
+              <a:buFont typeface="Anaheim"/>
+              <a:buNone/>
+              <a:defRPr sz="1400" b="0" i="0" u="none" strike="noStrike" cap="none">
+                <a:solidFill>
+                  <a:schemeClr val="lt1"/>
+                </a:solidFill>
+                <a:latin typeface="Anaheim"/>
+                <a:ea typeface="Anaheim"/>
+                <a:cs typeface="Anaheim"/>
+                <a:sym typeface="Anaheim"/>
+              </a:defRPr>
+            </a:lvl4pPr>
+            <a:lvl5pPr marL="2286000" marR="0" lvl="4" indent="-317500" algn="r" rtl="0">
+              <a:lnSpc>
+                <a:spcPct val="100000"/>
+              </a:lnSpc>
+              <a:spcBef>
+                <a:spcPts val="0"/>
+              </a:spcBef>
+              <a:spcAft>
+                <a:spcPts val="0"/>
+              </a:spcAft>
+              <a:buClr>
+                <a:schemeClr val="lt1"/>
+              </a:buClr>
+              <a:buSzPts val="1400"/>
+              <a:buFont typeface="Anaheim"/>
+              <a:buNone/>
+              <a:defRPr sz="1400" b="0" i="0" u="none" strike="noStrike" cap="none">
+                <a:solidFill>
+                  <a:schemeClr val="lt1"/>
+                </a:solidFill>
+                <a:latin typeface="Anaheim"/>
+                <a:ea typeface="Anaheim"/>
+                <a:cs typeface="Anaheim"/>
+                <a:sym typeface="Anaheim"/>
+              </a:defRPr>
+            </a:lvl5pPr>
+            <a:lvl6pPr marL="2743200" marR="0" lvl="5" indent="-317500" algn="r" rtl="0">
+              <a:lnSpc>
+                <a:spcPct val="100000"/>
+              </a:lnSpc>
+              <a:spcBef>
+                <a:spcPts val="0"/>
+              </a:spcBef>
+              <a:spcAft>
+                <a:spcPts val="0"/>
+              </a:spcAft>
+              <a:buClr>
+                <a:schemeClr val="lt1"/>
+              </a:buClr>
+              <a:buSzPts val="1400"/>
+              <a:buFont typeface="Anaheim"/>
+              <a:buNone/>
+              <a:defRPr sz="1400" b="0" i="0" u="none" strike="noStrike" cap="none">
+                <a:solidFill>
+                  <a:schemeClr val="lt1"/>
+                </a:solidFill>
+                <a:latin typeface="Anaheim"/>
+                <a:ea typeface="Anaheim"/>
+                <a:cs typeface="Anaheim"/>
+                <a:sym typeface="Anaheim"/>
+              </a:defRPr>
+            </a:lvl6pPr>
+            <a:lvl7pPr marL="3200400" marR="0" lvl="6" indent="-317500" algn="r" rtl="0">
+              <a:lnSpc>
+                <a:spcPct val="100000"/>
+              </a:lnSpc>
+              <a:spcBef>
+                <a:spcPts val="0"/>
+              </a:spcBef>
+              <a:spcAft>
+                <a:spcPts val="0"/>
+              </a:spcAft>
+              <a:buClr>
+                <a:schemeClr val="lt1"/>
+              </a:buClr>
+              <a:buSzPts val="1400"/>
+              <a:buFont typeface="Anaheim"/>
+              <a:buNone/>
+              <a:defRPr sz="1400" b="0" i="0" u="none" strike="noStrike" cap="none">
+                <a:solidFill>
+                  <a:schemeClr val="lt1"/>
+                </a:solidFill>
+                <a:latin typeface="Anaheim"/>
+                <a:ea typeface="Anaheim"/>
+                <a:cs typeface="Anaheim"/>
+                <a:sym typeface="Anaheim"/>
+              </a:defRPr>
+            </a:lvl7pPr>
+            <a:lvl8pPr marL="3657600" marR="0" lvl="7" indent="-317500" algn="r" rtl="0">
+              <a:lnSpc>
+                <a:spcPct val="100000"/>
+              </a:lnSpc>
+              <a:spcBef>
+                <a:spcPts val="0"/>
+              </a:spcBef>
+              <a:spcAft>
+                <a:spcPts val="0"/>
+              </a:spcAft>
+              <a:buClr>
+                <a:schemeClr val="lt1"/>
+              </a:buClr>
+              <a:buSzPts val="1400"/>
+              <a:buFont typeface="Anaheim"/>
+              <a:buNone/>
+              <a:defRPr sz="1400" b="0" i="0" u="none" strike="noStrike" cap="none">
+                <a:solidFill>
+                  <a:schemeClr val="lt1"/>
+                </a:solidFill>
+                <a:latin typeface="Anaheim"/>
+                <a:ea typeface="Anaheim"/>
+                <a:cs typeface="Anaheim"/>
+                <a:sym typeface="Anaheim"/>
+              </a:defRPr>
+            </a:lvl8pPr>
+            <a:lvl9pPr marL="4114800" marR="0" lvl="8" indent="-317500" algn="r" rtl="0">
+              <a:lnSpc>
+                <a:spcPct val="100000"/>
+              </a:lnSpc>
+              <a:spcBef>
+                <a:spcPts val="0"/>
+              </a:spcBef>
+              <a:spcAft>
+                <a:spcPts val="0"/>
+              </a:spcAft>
+              <a:buClr>
+                <a:schemeClr val="lt1"/>
+              </a:buClr>
+              <a:buSzPts val="1400"/>
+              <a:buFont typeface="Anaheim"/>
+              <a:buNone/>
+              <a:defRPr sz="1400" b="0" i="0" u="none" strike="noStrike" cap="none">
+                <a:solidFill>
+                  <a:schemeClr val="lt1"/>
+                </a:solidFill>
+                <a:latin typeface="Anaheim"/>
+                <a:ea typeface="Anaheim"/>
+                <a:cs typeface="Anaheim"/>
+                <a:sym typeface="Anaheim"/>
+              </a:defRPr>
+            </a:lvl9pPr>
+          </a:lstStyle>
+          <a:p>
+            <a:r>
+              <a:rPr lang="ru-RU" sz="2400" dirty="0" smtClean="0">
+                <a:latin typeface="Inkulinati 210706" panose="020B0604020202020204" charset="-52"/>
+              </a:rPr>
+              <a:t>Основные функции</a:t>
+            </a:r>
+            <a:r>
+              <a:rPr lang="ru-RU" dirty="0" smtClean="0"/>
+              <a:t>:</a:t>
+            </a:r>
+            <a:endParaRPr lang="en-US" dirty="0" smtClean="0"/>
+          </a:p>
+          <a:p>
+            <a:r>
+              <a:rPr lang="en-US" sz="2000" b="1" dirty="0" err="1" smtClean="0">
+                <a:latin typeface="Arial Narrow" panose="020B0606020202030204" pitchFamily="34" charset="0"/>
+                <a:cs typeface="Amatic SC" panose="020B0604020202020204" charset="-79"/>
+              </a:rPr>
+              <a:t>start_screen</a:t>
+            </a:r>
+            <a:r>
+              <a:rPr lang="en-US" sz="2000" b="1" dirty="0" smtClean="0">
+                <a:latin typeface="Arial Narrow" panose="020B0606020202030204" pitchFamily="34" charset="0"/>
+                <a:cs typeface="Amatic SC" panose="020B0604020202020204" charset="-79"/>
+              </a:rPr>
+              <a:t> </a:t>
+            </a:r>
+            <a:r>
+              <a:rPr lang="ru-RU" sz="2000" dirty="0" smtClean="0">
+                <a:latin typeface="Arial Narrow" panose="020B0606020202030204" pitchFamily="34" charset="0"/>
+                <a:cs typeface="Amatic SC" panose="020B0604020202020204" charset="-79"/>
+              </a:rPr>
+              <a:t>– главное меню</a:t>
+            </a:r>
+          </a:p>
+          <a:p>
+            <a:r>
+              <a:rPr lang="en-US" sz="2000" b="1" dirty="0" err="1" smtClean="0">
+                <a:latin typeface="Arial Narrow" panose="020B0606020202030204" pitchFamily="34" charset="0"/>
+                <a:cs typeface="Amatic SC" panose="020B0604020202020204" charset="-79"/>
+              </a:rPr>
+              <a:t>acc_but</a:t>
+            </a:r>
+            <a:r>
+              <a:rPr lang="ru-RU" sz="2000" dirty="0" smtClean="0">
+                <a:latin typeface="Arial Narrow" panose="020B0606020202030204" pitchFamily="34" charset="0"/>
+                <a:cs typeface="Amatic SC" panose="020B0604020202020204" charset="-79"/>
+              </a:rPr>
+              <a:t>,</a:t>
+            </a:r>
+            <a:r>
+              <a:rPr lang="ru-RU" sz="2000" b="1" dirty="0" smtClean="0">
+                <a:latin typeface="Arial Narrow" panose="020B0606020202030204" pitchFamily="34" charset="0"/>
+                <a:cs typeface="Amatic SC" panose="020B0604020202020204" charset="-79"/>
+              </a:rPr>
+              <a:t> </a:t>
+            </a:r>
+            <a:r>
+              <a:rPr lang="en-US" sz="2000" b="1" dirty="0" err="1" smtClean="0">
+                <a:latin typeface="Arial Narrow" panose="020B0606020202030204" pitchFamily="34" charset="0"/>
+                <a:cs typeface="Amatic SC" panose="020B0604020202020204" charset="-79"/>
+              </a:rPr>
+              <a:t>acc_responce</a:t>
+            </a:r>
+            <a:r>
+              <a:rPr lang="ru-RU" sz="2000" dirty="0" smtClean="0">
+                <a:latin typeface="Arial Narrow" panose="020B0606020202030204" pitchFamily="34" charset="0"/>
+                <a:cs typeface="Amatic SC" panose="020B0604020202020204" charset="-79"/>
+              </a:rPr>
+              <a:t>,</a:t>
+            </a:r>
+            <a:r>
+              <a:rPr lang="ru-RU" sz="2000" b="1" dirty="0" smtClean="0">
+                <a:latin typeface="Arial Narrow" panose="020B0606020202030204" pitchFamily="34" charset="0"/>
+                <a:cs typeface="Amatic SC" panose="020B0604020202020204" charset="-79"/>
+              </a:rPr>
+              <a:t> </a:t>
+            </a:r>
+            <a:r>
+              <a:rPr lang="en-US" sz="2000" b="1" dirty="0" err="1" smtClean="0">
+                <a:latin typeface="Arial Narrow" panose="020B0606020202030204" pitchFamily="34" charset="0"/>
+                <a:cs typeface="Amatic SC" panose="020B0604020202020204" charset="-79"/>
+              </a:rPr>
+              <a:t>akk_profile</a:t>
+            </a:r>
+            <a:r>
+              <a:rPr lang="en-US" sz="2000" b="1" dirty="0" smtClean="0">
+                <a:latin typeface="Arial Narrow" panose="020B0606020202030204" pitchFamily="34" charset="0"/>
+                <a:cs typeface="Amatic SC" panose="020B0604020202020204" charset="-79"/>
+              </a:rPr>
+              <a:t> </a:t>
+            </a:r>
+            <a:r>
+              <a:rPr lang="en-US" sz="2000" dirty="0" smtClean="0">
+                <a:latin typeface="Arial Narrow" panose="020B0606020202030204" pitchFamily="34" charset="0"/>
+                <a:cs typeface="Amatic SC" panose="020B0604020202020204" charset="-79"/>
+              </a:rPr>
+              <a:t>– </a:t>
+            </a:r>
+            <a:r>
+              <a:rPr lang="ru-RU" sz="2000" dirty="0" smtClean="0">
+                <a:latin typeface="Arial Narrow" panose="020B0606020202030204" pitchFamily="34" charset="0"/>
+                <a:cs typeface="Amatic SC" panose="020B0604020202020204" charset="-79"/>
+              </a:rPr>
+              <a:t>меню авторизации, меню ошибки либо успешного входа, и меню профиля соответственно.</a:t>
+            </a:r>
+          </a:p>
+          <a:p>
+            <a:r>
+              <a:rPr lang="en-US" sz="2000" b="1" dirty="0" err="1" smtClean="0">
+                <a:latin typeface="Arial Narrow" panose="020B0606020202030204" pitchFamily="34" charset="0"/>
+                <a:cs typeface="Amatic SC" panose="020B0604020202020204" charset="-79"/>
+              </a:rPr>
+              <a:t>main_game</a:t>
+            </a:r>
+            <a:r>
+              <a:rPr lang="en-US" sz="2000" b="1" dirty="0" smtClean="0">
+                <a:latin typeface="Arial Narrow" panose="020B0606020202030204" pitchFamily="34" charset="0"/>
+                <a:cs typeface="Amatic SC" panose="020B0604020202020204" charset="-79"/>
+              </a:rPr>
+              <a:t> </a:t>
+            </a:r>
+            <a:r>
+              <a:rPr lang="en-US" sz="2000" dirty="0" smtClean="0">
+                <a:latin typeface="Arial Narrow" panose="020B0606020202030204" pitchFamily="34" charset="0"/>
+                <a:cs typeface="Amatic SC" panose="020B0604020202020204" charset="-79"/>
+              </a:rPr>
+              <a:t>– </a:t>
+            </a:r>
+            <a:r>
+              <a:rPr lang="ru-RU" sz="2000" dirty="0" smtClean="0">
+                <a:latin typeface="Arial Narrow" panose="020B0606020202030204" pitchFamily="34" charset="0"/>
+                <a:cs typeface="Amatic SC" panose="020B0604020202020204" charset="-79"/>
+              </a:rPr>
+              <a:t>главная сцена игры.</a:t>
+            </a:r>
+          </a:p>
+          <a:p>
+            <a:r>
+              <a:rPr lang="en-US" sz="2000" b="1" dirty="0" smtClean="0">
+                <a:latin typeface="Arial Narrow" panose="020B0606020202030204" pitchFamily="34" charset="0"/>
+                <a:cs typeface="Amatic SC" panose="020B0604020202020204" charset="-79"/>
+              </a:rPr>
+              <a:t>fight</a:t>
+            </a:r>
+            <a:r>
+              <a:rPr lang="en-US" sz="2000" dirty="0" smtClean="0">
+                <a:latin typeface="Arial Narrow" panose="020B0606020202030204" pitchFamily="34" charset="0"/>
+                <a:cs typeface="Amatic SC" panose="020B0604020202020204" charset="-79"/>
+              </a:rPr>
+              <a:t> </a:t>
+            </a:r>
+            <a:r>
+              <a:rPr lang="ru-RU" sz="2000" dirty="0" smtClean="0">
+                <a:latin typeface="Arial Narrow" panose="020B0606020202030204" pitchFamily="34" charset="0"/>
+                <a:cs typeface="Amatic SC" panose="020B0604020202020204" charset="-79"/>
+              </a:rPr>
+              <a:t>и </a:t>
+            </a:r>
+            <a:r>
+              <a:rPr lang="en-US" sz="2000" b="1" dirty="0" err="1" smtClean="0">
+                <a:latin typeface="Arial Narrow" panose="020B0606020202030204" pitchFamily="34" charset="0"/>
+                <a:cs typeface="Amatic SC" panose="020B0604020202020204" charset="-79"/>
+              </a:rPr>
+              <a:t>fight_b</a:t>
+            </a:r>
+            <a:r>
+              <a:rPr lang="en-US" sz="2000" dirty="0" smtClean="0">
+                <a:latin typeface="Arial Narrow" panose="020B0606020202030204" pitchFamily="34" charset="0"/>
+                <a:cs typeface="Amatic SC" panose="020B0604020202020204" charset="-79"/>
+              </a:rPr>
+              <a:t> – </a:t>
+            </a:r>
+            <a:r>
+              <a:rPr lang="ru-RU" sz="2000" dirty="0" smtClean="0">
+                <a:latin typeface="Arial Narrow" panose="020B0606020202030204" pitchFamily="34" charset="0"/>
+                <a:cs typeface="Amatic SC" panose="020B0604020202020204" charset="-79"/>
+              </a:rPr>
+              <a:t>сцена битвы с врагами.</a:t>
+            </a:r>
+          </a:p>
+          <a:p>
+            <a:endParaRPr lang="ru-RU" dirty="0"/>
+          </a:p>
+        </p:txBody>
+      </p:sp>
+    </p:spTree>
+    <p:extLst>
+      <p:ext uri="{BB962C8B-B14F-4D97-AF65-F5344CB8AC3E}">
+        <p14:creationId xmlns:p14="http://schemas.microsoft.com/office/powerpoint/2010/main" val="3451345236"/>
+      </p:ext>
+    </p:extLst>
+  </p:cSld>
+  <p:clrMapOvr>
+    <a:masterClrMapping/>
+  </p:clrMapOvr>
+</p:sld>
+</file>
+
+<file path=ppt/slides/slide3.xml><?xml version="1.0" encoding="utf-8"?>
 <p:sld xmlns:a="http://schemas.openxmlformats.org/drawingml/2006/main" xmlns:r="http://schemas.openxmlformats.org/officeDocument/2006/relationships" xmlns:p="http://schemas.openxmlformats.org/presentationml/2006/main">
   <p:cSld>
     <p:bg>
@@ -13970,7 +14508,7 @@
 </p:sld>
 </file>
 
-<file path=ppt/slides/slide3.xml><?xml version="1.0" encoding="utf-8"?>
+<file path=ppt/slides/slide4.xml><?xml version="1.0" encoding="utf-8"?>
 <p:sld xmlns:a="http://schemas.openxmlformats.org/drawingml/2006/main" xmlns:r="http://schemas.openxmlformats.org/officeDocument/2006/relationships" xmlns:p="http://schemas.openxmlformats.org/presentationml/2006/main">
   <p:cSld>
     <p:bg>
@@ -14948,7 +15486,7 @@
           <a:blip r:embed="rId4">
             <a:extLst>
               <a:ext uri="{96DAC541-7B7A-43D3-8B79-37D633B846F1}">
-                <asvg:svgBlip xmlns:asvg="http://schemas.microsoft.com/office/drawing/2016/SVG/main" r:embed="rId5"/>
+                <asvg:svgBlip xmlns="" xmlns:asvg="http://schemas.microsoft.com/office/drawing/2016/SVG/main" r:embed="rId5"/>
               </a:ext>
             </a:extLst>
           </a:blip>
@@ -15004,26 +15542,12 @@
 </p:sld>
 </file>
 
-<file path=ppt/slides/slide4.xml><?xml version="1.0" encoding="utf-8"?>
+<file path=ppt/slides/slide5.xml><?xml version="1.0" encoding="utf-8"?>
 <p:sld xmlns:a="http://schemas.openxmlformats.org/drawingml/2006/main" xmlns:r="http://schemas.openxmlformats.org/officeDocument/2006/relationships" xmlns:p="http://schemas.openxmlformats.org/presentationml/2006/main">
   <p:cSld>
-    <p:bg>
-      <p:bgPr>
-        <a:blipFill dpi="0" rotWithShape="1">
-          <a:blip r:embed="rId3">
-            <a:lum/>
-          </a:blip>
-          <a:srcRect/>
-          <a:stretch>
-            <a:fillRect/>
-          </a:stretch>
-        </a:blipFill>
-        <a:effectLst/>
-      </p:bgPr>
-    </p:bg>
     <p:spTree>
       <p:nvGrpSpPr>
-        <p:cNvPr id="1" name="Shape 1120"/>
+        <p:cNvPr id="1" name=""/>
         <p:cNvGrpSpPr/>
         <p:nvPr/>
       </p:nvGrpSpPr>
@@ -15037,542 +15561,137 @@
       </p:grpSpPr>
       <p:sp>
         <p:nvSpPr>
-          <p:cNvPr id="1122" name="Google Shape;1122;p47"/>
-          <p:cNvSpPr txBox="1">
+          <p:cNvPr id="2" name="Подзаголовок 1"/>
+          <p:cNvSpPr>
             <a:spLocks noGrp="1"/>
           </p:cNvSpPr>
           <p:nvPr>
-            <p:ph type="ctrTitle" idx="4294967295"/>
+            <p:ph type="subTitle" idx="1"/>
           </p:nvPr>
         </p:nvSpPr>
         <p:spPr>
           <a:xfrm>
-            <a:off x="845569" y="830106"/>
-            <a:ext cx="6502400" cy="996950"/>
+            <a:off x="4909457" y="1212379"/>
+            <a:ext cx="3908786" cy="3354089"/>
           </a:xfrm>
-          <a:prstGeom prst="rect">
-            <a:avLst/>
-          </a:prstGeom>
         </p:spPr>
         <p:txBody>
-          <a:bodyPr spcFirstLastPara="1" wrap="square" lIns="91425" tIns="91425" rIns="91425" bIns="91425" anchor="ctr" anchorCtr="0">
-            <a:noAutofit/>
-          </a:bodyPr>
+          <a:bodyPr/>
           <a:lstStyle/>
           <a:p>
-            <a:pPr marL="0" lvl="0" indent="0" algn="l" rtl="0">
-              <a:spcBef>
-                <a:spcPts val="0"/>
-              </a:spcBef>
-              <a:spcAft>
-                <a:spcPts val="0"/>
-              </a:spcAft>
-              <a:buNone/>
+            <a:r>
+              <a:rPr lang="ru-RU" sz="2000" dirty="0" smtClean="0">
+                <a:latin typeface="Inkulinati 210706" panose="020B0604020202020204" charset="-52"/>
+              </a:rPr>
+              <a:t>Что мы хотим дополнить:</a:t>
+            </a:r>
+          </a:p>
+          <a:p>
+            <a:pPr marL="482600" indent="-342900">
+              <a:buAutoNum type="arabicPeriod"/>
             </a:pPr>
             <a:r>
-              <a:rPr lang="ru-RU" sz="4000" dirty="0">
-                <a:latin typeface="Inkulinati 210706" pitchFamily="50" charset="-52"/>
+              <a:rPr lang="ru-RU" sz="2000" dirty="0" smtClean="0">
+                <a:latin typeface="Arial Narrow" panose="020B0606020202030204" pitchFamily="34" charset="0"/>
               </a:rPr>
-              <a:t>Спасибо за внимание</a:t>
+              <a:t>Сделать дополнительные звуки (ходьбы, битвы и т.д.).</a:t>
             </a:r>
+          </a:p>
+          <a:p>
+            <a:pPr marL="482600" indent="-342900">
+              <a:buAutoNum type="arabicPeriod"/>
+            </a:pPr>
             <a:r>
-              <a:rPr lang="en" sz="4000" dirty="0">
-                <a:latin typeface="Inkulinati 210706" pitchFamily="50" charset="-52"/>
+              <a:rPr lang="ru-RU" sz="2000" dirty="0" smtClean="0">
+                <a:latin typeface="Arial Narrow" panose="020B0606020202030204" pitchFamily="34" charset="0"/>
               </a:rPr>
-              <a:t>!</a:t>
+              <a:t>Сохранение входа в аккаунт, даже после перезапуска игры.</a:t>
             </a:r>
-            <a:endParaRPr sz="4000" dirty="0">
-              <a:latin typeface="Inkulinati 210706" pitchFamily="50" charset="-52"/>
+          </a:p>
+          <a:p>
+            <a:pPr marL="482600" indent="-342900">
+              <a:buAutoNum type="arabicPeriod"/>
+            </a:pPr>
+            <a:r>
+              <a:rPr lang="ru-RU" sz="2000" dirty="0" smtClean="0">
+                <a:latin typeface="Arial Narrow" panose="020B0606020202030204" pitchFamily="34" charset="0"/>
+              </a:rPr>
+              <a:t>Режим «Соревнования» на двух игроков.</a:t>
+            </a:r>
+          </a:p>
+          <a:p>
+            <a:pPr marL="482600" indent="-342900">
+              <a:buAutoNum type="arabicPeriod"/>
+            </a:pPr>
+            <a:r>
+              <a:rPr lang="ru-RU" sz="2000" dirty="0" smtClean="0">
+                <a:latin typeface="Arial Narrow" panose="020B0606020202030204" pitchFamily="34" charset="0"/>
+              </a:rPr>
+              <a:t>Режим «Кооператив» на двух игроков.</a:t>
+            </a:r>
+          </a:p>
+          <a:p>
+            <a:pPr marL="482600" indent="-342900">
+              <a:buAutoNum type="arabicPeriod"/>
+            </a:pPr>
+            <a:endParaRPr lang="ru-RU" sz="2000" dirty="0">
+              <a:latin typeface="Arial Narrow" panose="020B0606020202030204" pitchFamily="34" charset="0"/>
+            </a:endParaRPr>
+          </a:p>
+          <a:p>
+            <a:pPr marL="482600" indent="-342900">
+              <a:buAutoNum type="arabicPeriod"/>
+            </a:pPr>
+            <a:endParaRPr lang="ru-RU" sz="2000" dirty="0">
+              <a:latin typeface="Arial Narrow" panose="020B0606020202030204" pitchFamily="34" charset="0"/>
             </a:endParaRPr>
           </a:p>
         </p:txBody>
       </p:sp>
       <p:sp>
         <p:nvSpPr>
-          <p:cNvPr id="1123" name="Google Shape;1123;p47"/>
-          <p:cNvSpPr txBox="1">
+          <p:cNvPr id="3" name="Заголовок 2"/>
+          <p:cNvSpPr>
             <a:spLocks noGrp="1"/>
           </p:cNvSpPr>
           <p:nvPr>
-            <p:ph type="subTitle" idx="4294967295"/>
+            <p:ph type="title"/>
           </p:nvPr>
+        </p:nvSpPr>
+        <p:spPr/>
+        <p:txBody>
+          <a:bodyPr/>
+          <a:lstStyle/>
+          <a:p>
+            <a:r>
+              <a:rPr lang="ru-RU" b="1" dirty="0" smtClean="0">
+                <a:latin typeface="Inkulinati 210706" panose="020B0604020202020204" charset="-52"/>
+              </a:rPr>
+              <a:t>Вывод</a:t>
+            </a:r>
+            <a:endParaRPr lang="ru-RU" b="1" dirty="0">
+              <a:latin typeface="Inkulinati 210706" panose="020B0604020202020204" charset="-52"/>
+            </a:endParaRPr>
+          </a:p>
+        </p:txBody>
+      </p:sp>
+      <p:sp>
+        <p:nvSpPr>
+          <p:cNvPr id="4" name="Подзаголовок 1"/>
+          <p:cNvSpPr txBox="1">
+            <a:spLocks/>
+          </p:cNvSpPr>
+          <p:nvPr/>
         </p:nvSpPr>
         <p:spPr>
           <a:xfrm>
-            <a:off x="937509" y="1929606"/>
-            <a:ext cx="4294188" cy="1877376"/>
+            <a:off x="217713" y="1212379"/>
+            <a:ext cx="4474029" cy="3354089"/>
           </a:xfrm>
           <a:prstGeom prst="rect">
             <a:avLst/>
           </a:prstGeom>
-        </p:spPr>
-        <p:txBody>
-          <a:bodyPr spcFirstLastPara="1" wrap="square" lIns="91425" tIns="91425" rIns="91425" bIns="91425" anchor="ctr" anchorCtr="0">
-            <a:noAutofit/>
-          </a:bodyPr>
-          <a:lstStyle/>
-          <a:p>
-            <a:pPr marL="0" lvl="0" indent="0" algn="l" rtl="0">
-              <a:spcBef>
-                <a:spcPts val="0"/>
-              </a:spcBef>
-              <a:spcAft>
-                <a:spcPts val="0"/>
-              </a:spcAft>
-              <a:buClr>
-                <a:schemeClr val="lt1"/>
-              </a:buClr>
-              <a:buSzPts val="1100"/>
-              <a:buFont typeface="Arial"/>
-              <a:buNone/>
-            </a:pPr>
-            <a:r>
-              <a:rPr lang="ru-RU" sz="2400" dirty="0">
-                <a:latin typeface="Amatic SC" panose="00000500000000000000" pitchFamily="2" charset="-79"/>
-                <a:cs typeface="Amatic SC" panose="00000500000000000000" pitchFamily="2" charset="-79"/>
-              </a:rPr>
-              <a:t>Идея и основные механики – Мочалов Никита.</a:t>
-            </a:r>
-          </a:p>
-          <a:p>
-            <a:pPr marL="0" lvl="0" indent="0" algn="l" rtl="0">
-              <a:spcBef>
-                <a:spcPts val="0"/>
-              </a:spcBef>
-              <a:spcAft>
-                <a:spcPts val="0"/>
-              </a:spcAft>
-              <a:buClr>
-                <a:schemeClr val="lt1"/>
-              </a:buClr>
-              <a:buSzPts val="1100"/>
-              <a:buFont typeface="Arial"/>
-              <a:buNone/>
-            </a:pPr>
-            <a:r>
-              <a:rPr lang="ru-RU" sz="2400" dirty="0">
-                <a:latin typeface="Amatic SC" panose="00000500000000000000" pitchFamily="2" charset="-79"/>
-                <a:cs typeface="Amatic SC" panose="00000500000000000000" pitchFamily="2" charset="-79"/>
-              </a:rPr>
-              <a:t>Работа с базой данных – Глазунов Никита.</a:t>
-            </a:r>
-          </a:p>
-          <a:p>
-            <a:pPr marL="0" lvl="0" indent="0" algn="l" rtl="0">
-              <a:spcBef>
-                <a:spcPts val="0"/>
-              </a:spcBef>
-              <a:spcAft>
-                <a:spcPts val="0"/>
-              </a:spcAft>
-              <a:buClr>
-                <a:schemeClr val="lt1"/>
-              </a:buClr>
-              <a:buSzPts val="1100"/>
-              <a:buFont typeface="Arial"/>
-              <a:buNone/>
-            </a:pPr>
-            <a:endParaRPr lang="ru-RU" sz="2400" dirty="0">
-              <a:latin typeface="Amatic SC" panose="00000500000000000000" pitchFamily="2" charset="-79"/>
-              <a:cs typeface="Amatic SC" panose="00000500000000000000" pitchFamily="2" charset="-79"/>
-            </a:endParaRPr>
-          </a:p>
-          <a:p>
-            <a:pPr marL="0" indent="0">
-              <a:buSzPts val="1100"/>
-              <a:buNone/>
-            </a:pPr>
-            <a:r>
-              <a:rPr lang="ru-RU" sz="2000" dirty="0">
-                <a:effectLst/>
-                <a:latin typeface="Amatic SC" panose="00000500000000000000" pitchFamily="2" charset="-79"/>
-                <a:ea typeface="Calibri" panose="020F0502020204030204" pitchFamily="34" charset="0"/>
-                <a:cs typeface="Amatic SC" panose="00000500000000000000" pitchFamily="2" charset="-79"/>
-              </a:rPr>
-              <a:t>Игра сделана по мотивам игры </a:t>
-            </a:r>
-            <a:r>
-              <a:rPr lang="en-US" sz="2000" dirty="0">
-                <a:effectLst/>
-                <a:latin typeface="Amatic SC" panose="00000500000000000000" pitchFamily="2" charset="-79"/>
-                <a:ea typeface="Calibri" panose="020F0502020204030204" pitchFamily="34" charset="0"/>
-                <a:cs typeface="Amatic SC" panose="00000500000000000000" pitchFamily="2" charset="-79"/>
-              </a:rPr>
-              <a:t>Pixel Dungeon</a:t>
-            </a:r>
-            <a:r>
-              <a:rPr lang="ru-RU" sz="2000" dirty="0">
-                <a:effectLst/>
-                <a:latin typeface="Amatic SC" panose="00000500000000000000" pitchFamily="2" charset="-79"/>
-                <a:ea typeface="Calibri" panose="020F0502020204030204" pitchFamily="34" charset="0"/>
-                <a:cs typeface="Amatic SC" panose="00000500000000000000" pitchFamily="2" charset="-79"/>
-              </a:rPr>
-              <a:t>.</a:t>
-            </a:r>
-          </a:p>
-        </p:txBody>
-      </p:sp>
-      <p:grpSp>
-        <p:nvGrpSpPr>
-          <p:cNvPr id="1138" name="Google Shape;1138;p47"/>
-          <p:cNvGrpSpPr/>
-          <p:nvPr/>
-        </p:nvGrpSpPr>
-        <p:grpSpPr>
-          <a:xfrm flipH="1">
-            <a:off x="284" y="2590428"/>
-            <a:ext cx="2580834" cy="2559381"/>
-            <a:chOff x="-761089" y="594525"/>
-            <a:chExt cx="5186563" cy="5143450"/>
-          </a:xfrm>
-        </p:grpSpPr>
-        <p:sp>
-          <p:nvSpPr>
-            <p:cNvPr id="1139" name="Google Shape;1139;p47"/>
-            <p:cNvSpPr/>
-            <p:nvPr/>
-          </p:nvSpPr>
-          <p:spPr>
-            <a:xfrm>
-              <a:off x="2726750" y="594525"/>
-              <a:ext cx="1698400" cy="4321525"/>
-            </a:xfrm>
-            <a:custGeom>
-              <a:avLst/>
-              <a:gdLst/>
-              <a:ahLst/>
-              <a:cxnLst/>
-              <a:rect l="l" t="t" r="r" b="b"/>
-              <a:pathLst>
-                <a:path w="67936" h="172861" extrusionOk="0">
-                  <a:moveTo>
-                    <a:pt x="67935" y="0"/>
-                  </a:moveTo>
-                  <a:lnTo>
-                    <a:pt x="1" y="22524"/>
-                  </a:lnTo>
-                  <a:lnTo>
-                    <a:pt x="1" y="172860"/>
-                  </a:lnTo>
-                  <a:lnTo>
-                    <a:pt x="67935" y="172860"/>
-                  </a:lnTo>
-                  <a:lnTo>
-                    <a:pt x="67935" y="0"/>
-                  </a:lnTo>
-                  <a:close/>
-                </a:path>
-              </a:pathLst>
-            </a:custGeom>
-            <a:solidFill>
-              <a:schemeClr val="accent3"/>
-            </a:solidFill>
-            <a:ln w="28575" cap="flat" cmpd="sng">
-              <a:solidFill>
-                <a:schemeClr val="accent4"/>
-              </a:solidFill>
-              <a:prstDash val="solid"/>
-              <a:round/>
-              <a:headEnd type="none" w="sm" len="sm"/>
-              <a:tailEnd type="none" w="sm" len="sm"/>
-            </a:ln>
-          </p:spPr>
-          <p:txBody>
-            <a:bodyPr spcFirstLastPara="1" wrap="square" lIns="91425" tIns="91425" rIns="91425" bIns="91425" anchor="ctr" anchorCtr="0">
-              <a:noAutofit/>
-            </a:bodyPr>
-            <a:lstStyle/>
-            <a:p>
-              <a:pPr marL="0" lvl="0" indent="0" algn="l" rtl="0">
-                <a:spcBef>
-                  <a:spcPts val="0"/>
-                </a:spcBef>
-                <a:spcAft>
-                  <a:spcPts val="0"/>
-                </a:spcAft>
-                <a:buNone/>
-              </a:pPr>
-              <a:endParaRPr/>
-            </a:p>
-          </p:txBody>
-        </p:sp>
-        <p:sp>
-          <p:nvSpPr>
-            <p:cNvPr id="1140" name="Google Shape;1140;p47"/>
-            <p:cNvSpPr/>
-            <p:nvPr/>
-          </p:nvSpPr>
-          <p:spPr>
-            <a:xfrm>
-              <a:off x="-761089" y="2681950"/>
-              <a:ext cx="5186563" cy="3056025"/>
-            </a:xfrm>
-            <a:custGeom>
-              <a:avLst/>
-              <a:gdLst/>
-              <a:ahLst/>
-              <a:cxnLst/>
-              <a:rect l="l" t="t" r="r" b="b"/>
-              <a:pathLst>
-                <a:path w="111097" h="89364" extrusionOk="0">
-                  <a:moveTo>
-                    <a:pt x="84530" y="0"/>
-                  </a:moveTo>
-                  <a:lnTo>
-                    <a:pt x="84530" y="13678"/>
-                  </a:lnTo>
-                  <a:lnTo>
-                    <a:pt x="67630" y="13678"/>
-                  </a:lnTo>
-                  <a:lnTo>
-                    <a:pt x="67630" y="28998"/>
-                  </a:lnTo>
-                  <a:lnTo>
-                    <a:pt x="50730" y="28998"/>
-                  </a:lnTo>
-                  <a:lnTo>
-                    <a:pt x="50730" y="45107"/>
-                  </a:lnTo>
-                  <a:lnTo>
-                    <a:pt x="33830" y="45107"/>
-                  </a:lnTo>
-                  <a:lnTo>
-                    <a:pt x="33830" y="59575"/>
-                  </a:lnTo>
-                  <a:lnTo>
-                    <a:pt x="16110" y="59575"/>
-                  </a:lnTo>
-                  <a:lnTo>
-                    <a:pt x="16110" y="73253"/>
-                  </a:lnTo>
-                  <a:lnTo>
-                    <a:pt x="0" y="73253"/>
-                  </a:lnTo>
-                  <a:lnTo>
-                    <a:pt x="0" y="89363"/>
-                  </a:lnTo>
-                  <a:lnTo>
-                    <a:pt x="111096" y="89363"/>
-                  </a:lnTo>
-                  <a:lnTo>
-                    <a:pt x="111096" y="0"/>
-                  </a:lnTo>
-                  <a:close/>
-                </a:path>
-              </a:pathLst>
-            </a:custGeom>
-            <a:solidFill>
-              <a:srgbClr val="FCB0B6"/>
-            </a:solidFill>
-            <a:ln w="28575" cap="flat" cmpd="sng">
-              <a:solidFill>
-                <a:srgbClr val="DE8C93"/>
-              </a:solidFill>
-              <a:prstDash val="solid"/>
-              <a:round/>
-              <a:headEnd type="none" w="sm" len="sm"/>
-              <a:tailEnd type="none" w="sm" len="sm"/>
-            </a:ln>
-          </p:spPr>
-          <p:txBody>
-            <a:bodyPr spcFirstLastPara="1" wrap="square" lIns="91425" tIns="91425" rIns="91425" bIns="91425" anchor="ctr" anchorCtr="0">
-              <a:noAutofit/>
-            </a:bodyPr>
-            <a:lstStyle/>
-            <a:p>
-              <a:pPr marL="0" lvl="0" indent="0" algn="l" rtl="0">
-                <a:spcBef>
-                  <a:spcPts val="0"/>
-                </a:spcBef>
-                <a:spcAft>
-                  <a:spcPts val="0"/>
-                </a:spcAft>
-                <a:buNone/>
-              </a:pPr>
-              <a:endParaRPr/>
-            </a:p>
-          </p:txBody>
-        </p:sp>
-        <p:sp>
-          <p:nvSpPr>
-            <p:cNvPr id="1141" name="Google Shape;1141;p47"/>
-            <p:cNvSpPr/>
-            <p:nvPr/>
-          </p:nvSpPr>
-          <p:spPr>
-            <a:xfrm>
-              <a:off x="3315675" y="1561875"/>
-              <a:ext cx="427850" cy="826025"/>
-            </a:xfrm>
-            <a:custGeom>
-              <a:avLst/>
-              <a:gdLst/>
-              <a:ahLst/>
-              <a:cxnLst/>
-              <a:rect l="l" t="t" r="r" b="b"/>
-              <a:pathLst>
-                <a:path w="17114" h="33041" extrusionOk="0">
-                  <a:moveTo>
-                    <a:pt x="8542" y="0"/>
-                  </a:moveTo>
-                  <a:cubicBezTo>
-                    <a:pt x="3830" y="0"/>
-                    <a:pt x="1" y="3860"/>
-                    <a:pt x="1" y="8572"/>
-                  </a:cubicBezTo>
-                  <a:lnTo>
-                    <a:pt x="1" y="33040"/>
-                  </a:lnTo>
-                  <a:lnTo>
-                    <a:pt x="17113" y="30760"/>
-                  </a:lnTo>
-                  <a:lnTo>
-                    <a:pt x="17113" y="8572"/>
-                  </a:lnTo>
-                  <a:cubicBezTo>
-                    <a:pt x="17113" y="3860"/>
-                    <a:pt x="13253" y="0"/>
-                    <a:pt x="8542" y="0"/>
-                  </a:cubicBezTo>
-                  <a:close/>
-                </a:path>
-              </a:pathLst>
-            </a:custGeom>
-            <a:solidFill>
-              <a:schemeClr val="accent4"/>
-            </a:solidFill>
-            <a:ln w="9525" cap="flat" cmpd="sng">
-              <a:solidFill>
-                <a:srgbClr val="2E90A6"/>
-              </a:solidFill>
-              <a:prstDash val="solid"/>
-              <a:round/>
-              <a:headEnd type="none" w="sm" len="sm"/>
-              <a:tailEnd type="none" w="sm" len="sm"/>
-            </a:ln>
-          </p:spPr>
-          <p:txBody>
-            <a:bodyPr spcFirstLastPara="1" wrap="square" lIns="91425" tIns="91425" rIns="91425" bIns="91425" anchor="ctr" anchorCtr="0">
-              <a:noAutofit/>
-            </a:bodyPr>
-            <a:lstStyle/>
-            <a:p>
-              <a:pPr marL="0" lvl="0" indent="0" algn="l" rtl="0">
-                <a:spcBef>
-                  <a:spcPts val="0"/>
-                </a:spcBef>
-                <a:spcAft>
-                  <a:spcPts val="0"/>
-                </a:spcAft>
-                <a:buNone/>
-              </a:pPr>
-              <a:endParaRPr/>
-            </a:p>
-          </p:txBody>
-        </p:sp>
-        <p:sp>
-          <p:nvSpPr>
-            <p:cNvPr id="1142" name="Google Shape;1142;p47"/>
-            <p:cNvSpPr/>
-            <p:nvPr/>
-          </p:nvSpPr>
-          <p:spPr>
-            <a:xfrm>
-              <a:off x="3314275" y="1559175"/>
-              <a:ext cx="337184" cy="832964"/>
-            </a:xfrm>
-            <a:custGeom>
-              <a:avLst/>
-              <a:gdLst/>
-              <a:ahLst/>
-              <a:cxnLst/>
-              <a:rect l="l" t="t" r="r" b="b"/>
-              <a:pathLst>
-                <a:path w="13375" h="33041" extrusionOk="0">
-                  <a:moveTo>
-                    <a:pt x="8542" y="0"/>
-                  </a:moveTo>
-                  <a:cubicBezTo>
-                    <a:pt x="3830" y="0"/>
-                    <a:pt x="1" y="3861"/>
-                    <a:pt x="1" y="8572"/>
-                  </a:cubicBezTo>
-                  <a:lnTo>
-                    <a:pt x="1" y="33040"/>
-                  </a:lnTo>
-                  <a:lnTo>
-                    <a:pt x="2615" y="32706"/>
-                  </a:lnTo>
-                  <a:lnTo>
-                    <a:pt x="2615" y="9757"/>
-                  </a:lnTo>
-                  <a:cubicBezTo>
-                    <a:pt x="2615" y="5016"/>
-                    <a:pt x="6475" y="1186"/>
-                    <a:pt x="11186" y="1186"/>
-                  </a:cubicBezTo>
-                  <a:cubicBezTo>
-                    <a:pt x="11946" y="1186"/>
-                    <a:pt x="12645" y="1307"/>
-                    <a:pt x="13375" y="1490"/>
-                  </a:cubicBezTo>
-                  <a:cubicBezTo>
-                    <a:pt x="12007" y="548"/>
-                    <a:pt x="10335" y="0"/>
-                    <a:pt x="8542" y="0"/>
-                  </a:cubicBezTo>
-                  <a:close/>
-                </a:path>
-              </a:pathLst>
-            </a:custGeom>
-            <a:solidFill>
-              <a:schemeClr val="dk1"/>
-            </a:solidFill>
-            <a:ln>
-              <a:noFill/>
-            </a:ln>
-          </p:spPr>
-          <p:txBody>
-            <a:bodyPr spcFirstLastPara="1" wrap="square" lIns="91425" tIns="91425" rIns="91425" bIns="91425" anchor="ctr" anchorCtr="0">
-              <a:noAutofit/>
-            </a:bodyPr>
-            <a:lstStyle/>
-            <a:p>
-              <a:pPr marL="0" lvl="0" indent="0" algn="l" rtl="0">
-                <a:spcBef>
-                  <a:spcPts val="0"/>
-                </a:spcBef>
-                <a:spcAft>
-                  <a:spcPts val="0"/>
-                </a:spcAft>
-                <a:buNone/>
-              </a:pPr>
-              <a:endParaRPr/>
-            </a:p>
-          </p:txBody>
-        </p:sp>
-      </p:grpSp>
-      <p:sp>
-        <p:nvSpPr>
-          <p:cNvPr id="1168" name="Google Shape;1168;p47"/>
-          <p:cNvSpPr/>
-          <p:nvPr/>
-        </p:nvSpPr>
-        <p:spPr>
-          <a:xfrm rot="10800000">
-            <a:off x="7637573" y="4099123"/>
-            <a:ext cx="176100" cy="176100"/>
-          </a:xfrm>
-          <a:prstGeom prst="blockArc">
-            <a:avLst>
-              <a:gd name="adj1" fmla="val 10800000"/>
-              <a:gd name="adj2" fmla="val 21224628"/>
-              <a:gd name="adj3" fmla="val 11427"/>
-            </a:avLst>
-          </a:prstGeom>
-          <a:solidFill>
-            <a:schemeClr val="dk1"/>
-          </a:solidFill>
+          <a:noFill/>
           <a:ln>
             <a:noFill/>
           </a:ln>
@@ -15581,52 +15700,321 @@
           <a:bodyPr spcFirstLastPara="1" wrap="square" lIns="91425" tIns="91425" rIns="91425" bIns="91425" anchor="ctr" anchorCtr="0">
             <a:noAutofit/>
           </a:bodyPr>
-          <a:lstStyle/>
+          <a:lstStyle>
+            <a:defPPr marR="0" lvl="0" algn="l" rtl="0">
+              <a:lnSpc>
+                <a:spcPct val="100000"/>
+              </a:lnSpc>
+              <a:spcBef>
+                <a:spcPts val="0"/>
+              </a:spcBef>
+              <a:spcAft>
+                <a:spcPts val="0"/>
+              </a:spcAft>
+            </a:defPPr>
+            <a:lvl1pPr marL="457200" marR="0" lvl="0" indent="-317500" algn="ctr" rtl="0">
+              <a:lnSpc>
+                <a:spcPct val="100000"/>
+              </a:lnSpc>
+              <a:spcBef>
+                <a:spcPts val="0"/>
+              </a:spcBef>
+              <a:spcAft>
+                <a:spcPts val="0"/>
+              </a:spcAft>
+              <a:buClr>
+                <a:schemeClr val="lt1"/>
+              </a:buClr>
+              <a:buSzPts val="1400"/>
+              <a:buFont typeface="Anaheim"/>
+              <a:buNone/>
+              <a:defRPr sz="1800" b="0" i="0" u="none" strike="noStrike" cap="none">
+                <a:solidFill>
+                  <a:schemeClr val="lt1"/>
+                </a:solidFill>
+                <a:latin typeface="Anaheim"/>
+                <a:ea typeface="Anaheim"/>
+                <a:cs typeface="Anaheim"/>
+                <a:sym typeface="Anaheim"/>
+              </a:defRPr>
+            </a:lvl1pPr>
+            <a:lvl2pPr marL="914400" marR="0" lvl="1" indent="-317500" algn="r" rtl="0">
+              <a:lnSpc>
+                <a:spcPct val="100000"/>
+              </a:lnSpc>
+              <a:spcBef>
+                <a:spcPts val="0"/>
+              </a:spcBef>
+              <a:spcAft>
+                <a:spcPts val="0"/>
+              </a:spcAft>
+              <a:buClr>
+                <a:schemeClr val="lt1"/>
+              </a:buClr>
+              <a:buSzPts val="1400"/>
+              <a:buFont typeface="Anaheim"/>
+              <a:buNone/>
+              <a:defRPr sz="1400" b="0" i="0" u="none" strike="noStrike" cap="none">
+                <a:solidFill>
+                  <a:schemeClr val="lt1"/>
+                </a:solidFill>
+                <a:latin typeface="Anaheim"/>
+                <a:ea typeface="Anaheim"/>
+                <a:cs typeface="Anaheim"/>
+                <a:sym typeface="Anaheim"/>
+              </a:defRPr>
+            </a:lvl2pPr>
+            <a:lvl3pPr marL="1371600" marR="0" lvl="2" indent="-317500" algn="r" rtl="0">
+              <a:lnSpc>
+                <a:spcPct val="100000"/>
+              </a:lnSpc>
+              <a:spcBef>
+                <a:spcPts val="0"/>
+              </a:spcBef>
+              <a:spcAft>
+                <a:spcPts val="0"/>
+              </a:spcAft>
+              <a:buClr>
+                <a:schemeClr val="lt1"/>
+              </a:buClr>
+              <a:buSzPts val="1400"/>
+              <a:buFont typeface="Anaheim"/>
+              <a:buNone/>
+              <a:defRPr sz="1400" b="0" i="0" u="none" strike="noStrike" cap="none">
+                <a:solidFill>
+                  <a:schemeClr val="lt1"/>
+                </a:solidFill>
+                <a:latin typeface="Anaheim"/>
+                <a:ea typeface="Anaheim"/>
+                <a:cs typeface="Anaheim"/>
+                <a:sym typeface="Anaheim"/>
+              </a:defRPr>
+            </a:lvl3pPr>
+            <a:lvl4pPr marL="1828800" marR="0" lvl="3" indent="-317500" algn="r" rtl="0">
+              <a:lnSpc>
+                <a:spcPct val="100000"/>
+              </a:lnSpc>
+              <a:spcBef>
+                <a:spcPts val="0"/>
+              </a:spcBef>
+              <a:spcAft>
+                <a:spcPts val="0"/>
+              </a:spcAft>
+              <a:buClr>
+                <a:schemeClr val="lt1"/>
+              </a:buClr>
+              <a:buSzPts val="1400"/>
+              <a:buFont typeface="Anaheim"/>
+              <a:buNone/>
+              <a:defRPr sz="1400" b="0" i="0" u="none" strike="noStrike" cap="none">
+                <a:solidFill>
+                  <a:schemeClr val="lt1"/>
+                </a:solidFill>
+                <a:latin typeface="Anaheim"/>
+                <a:ea typeface="Anaheim"/>
+                <a:cs typeface="Anaheim"/>
+                <a:sym typeface="Anaheim"/>
+              </a:defRPr>
+            </a:lvl4pPr>
+            <a:lvl5pPr marL="2286000" marR="0" lvl="4" indent="-317500" algn="r" rtl="0">
+              <a:lnSpc>
+                <a:spcPct val="100000"/>
+              </a:lnSpc>
+              <a:spcBef>
+                <a:spcPts val="0"/>
+              </a:spcBef>
+              <a:spcAft>
+                <a:spcPts val="0"/>
+              </a:spcAft>
+              <a:buClr>
+                <a:schemeClr val="lt1"/>
+              </a:buClr>
+              <a:buSzPts val="1400"/>
+              <a:buFont typeface="Anaheim"/>
+              <a:buNone/>
+              <a:defRPr sz="1400" b="0" i="0" u="none" strike="noStrike" cap="none">
+                <a:solidFill>
+                  <a:schemeClr val="lt1"/>
+                </a:solidFill>
+                <a:latin typeface="Anaheim"/>
+                <a:ea typeface="Anaheim"/>
+                <a:cs typeface="Anaheim"/>
+                <a:sym typeface="Anaheim"/>
+              </a:defRPr>
+            </a:lvl5pPr>
+            <a:lvl6pPr marL="2743200" marR="0" lvl="5" indent="-317500" algn="r" rtl="0">
+              <a:lnSpc>
+                <a:spcPct val="100000"/>
+              </a:lnSpc>
+              <a:spcBef>
+                <a:spcPts val="0"/>
+              </a:spcBef>
+              <a:spcAft>
+                <a:spcPts val="0"/>
+              </a:spcAft>
+              <a:buClr>
+                <a:schemeClr val="lt1"/>
+              </a:buClr>
+              <a:buSzPts val="1400"/>
+              <a:buFont typeface="Anaheim"/>
+              <a:buNone/>
+              <a:defRPr sz="1400" b="0" i="0" u="none" strike="noStrike" cap="none">
+                <a:solidFill>
+                  <a:schemeClr val="lt1"/>
+                </a:solidFill>
+                <a:latin typeface="Anaheim"/>
+                <a:ea typeface="Anaheim"/>
+                <a:cs typeface="Anaheim"/>
+                <a:sym typeface="Anaheim"/>
+              </a:defRPr>
+            </a:lvl6pPr>
+            <a:lvl7pPr marL="3200400" marR="0" lvl="6" indent="-317500" algn="r" rtl="0">
+              <a:lnSpc>
+                <a:spcPct val="100000"/>
+              </a:lnSpc>
+              <a:spcBef>
+                <a:spcPts val="0"/>
+              </a:spcBef>
+              <a:spcAft>
+                <a:spcPts val="0"/>
+              </a:spcAft>
+              <a:buClr>
+                <a:schemeClr val="lt1"/>
+              </a:buClr>
+              <a:buSzPts val="1400"/>
+              <a:buFont typeface="Anaheim"/>
+              <a:buNone/>
+              <a:defRPr sz="1400" b="0" i="0" u="none" strike="noStrike" cap="none">
+                <a:solidFill>
+                  <a:schemeClr val="lt1"/>
+                </a:solidFill>
+                <a:latin typeface="Anaheim"/>
+                <a:ea typeface="Anaheim"/>
+                <a:cs typeface="Anaheim"/>
+                <a:sym typeface="Anaheim"/>
+              </a:defRPr>
+            </a:lvl7pPr>
+            <a:lvl8pPr marL="3657600" marR="0" lvl="7" indent="-317500" algn="r" rtl="0">
+              <a:lnSpc>
+                <a:spcPct val="100000"/>
+              </a:lnSpc>
+              <a:spcBef>
+                <a:spcPts val="0"/>
+              </a:spcBef>
+              <a:spcAft>
+                <a:spcPts val="0"/>
+              </a:spcAft>
+              <a:buClr>
+                <a:schemeClr val="lt1"/>
+              </a:buClr>
+              <a:buSzPts val="1400"/>
+              <a:buFont typeface="Anaheim"/>
+              <a:buNone/>
+              <a:defRPr sz="1400" b="0" i="0" u="none" strike="noStrike" cap="none">
+                <a:solidFill>
+                  <a:schemeClr val="lt1"/>
+                </a:solidFill>
+                <a:latin typeface="Anaheim"/>
+                <a:ea typeface="Anaheim"/>
+                <a:cs typeface="Anaheim"/>
+                <a:sym typeface="Anaheim"/>
+              </a:defRPr>
+            </a:lvl8pPr>
+            <a:lvl9pPr marL="4114800" marR="0" lvl="8" indent="-317500" algn="r" rtl="0">
+              <a:lnSpc>
+                <a:spcPct val="100000"/>
+              </a:lnSpc>
+              <a:spcBef>
+                <a:spcPts val="0"/>
+              </a:spcBef>
+              <a:spcAft>
+                <a:spcPts val="0"/>
+              </a:spcAft>
+              <a:buClr>
+                <a:schemeClr val="lt1"/>
+              </a:buClr>
+              <a:buSzPts val="1400"/>
+              <a:buFont typeface="Anaheim"/>
+              <a:buNone/>
+              <a:defRPr sz="1400" b="0" i="0" u="none" strike="noStrike" cap="none">
+                <a:solidFill>
+                  <a:schemeClr val="lt1"/>
+                </a:solidFill>
+                <a:latin typeface="Anaheim"/>
+                <a:ea typeface="Anaheim"/>
+                <a:cs typeface="Anaheim"/>
+                <a:sym typeface="Anaheim"/>
+              </a:defRPr>
+            </a:lvl9pPr>
+          </a:lstStyle>
           <a:p>
-            <a:pPr marL="0" lvl="0" indent="0" algn="l" rtl="0">
-              <a:spcBef>
-                <a:spcPts val="0"/>
-              </a:spcBef>
-              <a:spcAft>
-                <a:spcPts val="0"/>
-              </a:spcAft>
-              <a:buNone/>
+            <a:r>
+              <a:rPr lang="ru-RU" sz="2000" dirty="0" smtClean="0">
+                <a:latin typeface="Inkulinati 210706" panose="020B0604020202020204" charset="-52"/>
+              </a:rPr>
+              <a:t>Текущие проблемы:</a:t>
+            </a:r>
+          </a:p>
+          <a:p>
+            <a:pPr marL="596900" indent="-457200">
+              <a:buAutoNum type="arabicPeriod"/>
             </a:pPr>
-            <a:endParaRPr/>
+            <a:r>
+              <a:rPr lang="ru-RU" sz="2000" dirty="0" smtClean="0">
+                <a:latin typeface="Arial Narrow" panose="020B0606020202030204" pitchFamily="34" charset="0"/>
+              </a:rPr>
+              <a:t>Не сделаны предметы (зелья, броня, оружия).</a:t>
+            </a:r>
+          </a:p>
+          <a:p>
+            <a:pPr marL="596900" indent="-457200">
+              <a:buAutoNum type="arabicPeriod"/>
+            </a:pPr>
+            <a:r>
+              <a:rPr lang="ru-RU" sz="2000" dirty="0" smtClean="0">
+                <a:latin typeface="Arial Narrow" panose="020B0606020202030204" pitchFamily="34" charset="0"/>
+              </a:rPr>
+              <a:t>Слишком примитивная система аккаунта и статистики.</a:t>
+            </a:r>
+          </a:p>
+          <a:p>
+            <a:pPr marL="596900" indent="-457200">
+              <a:buAutoNum type="arabicPeriod"/>
+            </a:pPr>
+            <a:r>
+              <a:rPr lang="ru-RU" sz="2000" dirty="0" smtClean="0">
+                <a:latin typeface="Arial Narrow" panose="020B0606020202030204" pitchFamily="34" charset="0"/>
+              </a:rPr>
+              <a:t>Некоторые тексты в меню стоят не ровно.</a:t>
+            </a:r>
+          </a:p>
+          <a:p>
+            <a:pPr marL="596900" indent="-457200">
+              <a:buAutoNum type="arabicPeriod"/>
+            </a:pPr>
+            <a:r>
+              <a:rPr lang="ru-RU" sz="2000" dirty="0" smtClean="0">
+                <a:latin typeface="Arial Narrow" panose="020B0606020202030204" pitchFamily="34" charset="0"/>
+              </a:rPr>
+              <a:t>В некоторых местах «грязный код» (некоторые функции можно выполнять быстрее и проще).</a:t>
+            </a:r>
+          </a:p>
+          <a:p>
+            <a:pPr marL="596900" indent="-457200">
+              <a:buAutoNum type="arabicPeriod"/>
+            </a:pPr>
+            <a:endParaRPr lang="ru-RU" sz="2000" dirty="0" smtClean="0">
+              <a:latin typeface="Arial Narrow" panose="020B0606020202030204" pitchFamily="34" charset="0"/>
+            </a:endParaRPr>
           </a:p>
         </p:txBody>
       </p:sp>
-      <p:pic>
-        <p:nvPicPr>
-          <p:cNvPr id="100" name="Рисунок 99">
-            <a:extLst>
-              <a:ext uri="{FF2B5EF4-FFF2-40B4-BE49-F238E27FC236}">
-                <a16:creationId xmlns:a16="http://schemas.microsoft.com/office/drawing/2014/main" id="{47BEF213-98C7-4A71-4588-2FF27048A2F9}"/>
-              </a:ext>
-            </a:extLst>
-          </p:cNvPr>
-          <p:cNvPicPr>
-            <a:picLocks noChangeAspect="1"/>
-          </p:cNvPicPr>
-          <p:nvPr/>
-        </p:nvPicPr>
-        <p:blipFill>
-          <a:blip r:embed="rId4"/>
-          <a:stretch>
-            <a:fillRect/>
-          </a:stretch>
-        </p:blipFill>
-        <p:spPr>
-          <a:xfrm>
-            <a:off x="6352985" y="2090880"/>
-            <a:ext cx="2569173" cy="2569173"/>
-          </a:xfrm>
-          <a:prstGeom prst="rect">
-            <a:avLst/>
-          </a:prstGeom>
-        </p:spPr>
-      </p:pic>
     </p:spTree>
+    <p:extLst>
+      <p:ext uri="{BB962C8B-B14F-4D97-AF65-F5344CB8AC3E}">
+        <p14:creationId xmlns:p14="http://schemas.microsoft.com/office/powerpoint/2010/main" val="3121567405"/>
+      </p:ext>
+    </p:extLst>
   </p:cSld>
   <p:clrMapOvr>
     <a:masterClrMapping/>

--- a/Презентация.pptx
+++ b/Презентация.pptx
@@ -25,31 +25,31 @@
       <p:boldItalic r:id="rId11"/>
     </p:embeddedFont>
     <p:embeddedFont>
+      <p:font typeface="Inkulinati 210706" panose="020B0604020202020204" charset="-52"/>
+      <p:regular r:id="rId12"/>
+    </p:embeddedFont>
+    <p:embeddedFont>
       <p:font typeface="Amatic SC" panose="020B0604020202020204" charset="-79"/>
-      <p:regular r:id="rId12"/>
-      <p:bold r:id="rId13"/>
+      <p:regular r:id="rId13"/>
+      <p:bold r:id="rId14"/>
     </p:embeddedFont>
     <p:embeddedFont>
       <p:font typeface="Breathe Fire III" panose="020B0604020202020204" charset="0"/>
-      <p:regular r:id="rId14"/>
+      <p:regular r:id="rId15"/>
     </p:embeddedFont>
     <p:embeddedFont>
       <p:font typeface="Arial Narrow" panose="020B0606020202030204" pitchFamily="34" charset="0"/>
-      <p:regular r:id="rId15"/>
-      <p:bold r:id="rId16"/>
-      <p:italic r:id="rId17"/>
-      <p:boldItalic r:id="rId18"/>
+      <p:regular r:id="rId16"/>
+      <p:bold r:id="rId17"/>
+      <p:italic r:id="rId18"/>
+      <p:boldItalic r:id="rId19"/>
+    </p:embeddedFont>
+    <p:embeddedFont>
+      <p:font typeface="Anaheim" panose="020B0604020202020204" charset="0"/>
+      <p:regular r:id="rId20"/>
     </p:embeddedFont>
     <p:embeddedFont>
       <p:font typeface="Audiowide" panose="020B0604020202020204" charset="0"/>
-      <p:regular r:id="rId19"/>
-    </p:embeddedFont>
-    <p:embeddedFont>
-      <p:font typeface="Inkulinati 210706" panose="020B0604020202020204" charset="-52"/>
-      <p:regular r:id="rId20"/>
-    </p:embeddedFont>
-    <p:embeddedFont>
-      <p:font typeface="Anaheim" panose="020B0604020202020204" charset="0"/>
       <p:regular r:id="rId21"/>
     </p:embeddedFont>
   </p:embeddedFontLst>
@@ -7067,7 +7067,7 @@
                 <a:hlinkClick r:id="rId2">
                   <a:extLst>
                     <a:ext uri="{A12FA001-AC4F-418D-AE19-62706E023703}">
-                      <ahyp:hlinkClr xmlns="" xmlns:ahyp="http://schemas.microsoft.com/office/drawing/2018/hyperlinkcolor" val="tx"/>
+                      <ahyp:hlinkClr xmlns:ahyp="http://schemas.microsoft.com/office/drawing/2018/hyperlinkcolor" xmlns="" val="tx"/>
                     </a:ext>
                   </a:extLst>
                 </a:hlinkClick>
@@ -7101,7 +7101,7 @@
                 <a:hlinkClick r:id="rId3">
                   <a:extLst>
                     <a:ext uri="{A12FA001-AC4F-418D-AE19-62706E023703}">
-                      <ahyp:hlinkClr xmlns="" xmlns:ahyp="http://schemas.microsoft.com/office/drawing/2018/hyperlinkcolor" val="tx"/>
+                      <ahyp:hlinkClr xmlns:ahyp="http://schemas.microsoft.com/office/drawing/2018/hyperlinkcolor" xmlns="" val="tx"/>
                     </a:ext>
                   </a:extLst>
                 </a:hlinkClick>
@@ -7135,7 +7135,7 @@
                 <a:hlinkClick r:id="rId4">
                   <a:extLst>
                     <a:ext uri="{A12FA001-AC4F-418D-AE19-62706E023703}">
-                      <ahyp:hlinkClr xmlns="" xmlns:ahyp="http://schemas.microsoft.com/office/drawing/2018/hyperlinkcolor" val="tx"/>
+                      <ahyp:hlinkClr xmlns:ahyp="http://schemas.microsoft.com/office/drawing/2018/hyperlinkcolor" xmlns="" val="tx"/>
                     </a:ext>
                   </a:extLst>
                 </a:hlinkClick>
@@ -13416,14 +13416,7 @@
                 <a:latin typeface="Arial Narrow" panose="020B0606020202030204" pitchFamily="34" charset="0"/>
                 <a:cs typeface="Amatic SC" panose="020B0604020202020204" charset="-79"/>
               </a:rPr>
-              <a:t> – класс дл</a:t>
-            </a:r>
-            <a:r>
-              <a:rPr lang="ru-RU" sz="2000" dirty="0" smtClean="0">
-                <a:latin typeface="Arial Narrow" panose="020B0606020202030204" pitchFamily="34" charset="0"/>
-                <a:cs typeface="Amatic SC" panose="020B0604020202020204" charset="-79"/>
-              </a:rPr>
-              <a:t>я работы с базой данных и хранении статистики игрока.</a:t>
+              <a:t> – класс для работы с базой данных и хранении статистики игрока.</a:t>
             </a:r>
           </a:p>
           <a:p>
@@ -15486,7 +15479,7 @@
           <a:blip r:embed="rId4">
             <a:extLst>
               <a:ext uri="{96DAC541-7B7A-43D3-8B79-37D633B846F1}">
-                <asvg:svgBlip xmlns="" xmlns:asvg="http://schemas.microsoft.com/office/drawing/2016/SVG/main" r:embed="rId5"/>
+                <asvg:svgBlip xmlns:asvg="http://schemas.microsoft.com/office/drawing/2016/SVG/main" xmlns="" r:embed="rId5"/>
               </a:ext>
             </a:extLst>
           </a:blip>
@@ -15996,8 +15989,37 @@
               <a:rPr lang="ru-RU" sz="2000" dirty="0" smtClean="0">
                 <a:latin typeface="Arial Narrow" panose="020B0606020202030204" pitchFamily="34" charset="0"/>
               </a:rPr>
-              <a:t>В некоторых местах «грязный код» (некоторые функции можно выполнять быстрее и проще).</a:t>
+              <a:t>В некоторых местах «грязный код» (некоторые функции можно выполнять быстрее и проще</a:t>
             </a:r>
+            <a:r>
+              <a:rPr lang="ru-RU" sz="2000" dirty="0" smtClean="0">
+                <a:latin typeface="Arial Narrow" panose="020B0606020202030204" pitchFamily="34" charset="0"/>
+              </a:rPr>
+              <a:t>).</a:t>
+            </a:r>
+            <a:endParaRPr lang="en-US" sz="2000" dirty="0" smtClean="0">
+              <a:latin typeface="Arial Narrow" panose="020B0606020202030204" pitchFamily="34" charset="0"/>
+            </a:endParaRPr>
+          </a:p>
+          <a:p>
+            <a:pPr marL="596900" indent="-457200">
+              <a:buAutoNum type="arabicPeriod"/>
+            </a:pPr>
+            <a:r>
+              <a:rPr lang="ru-RU" sz="2000" dirty="0" smtClean="0">
+                <a:latin typeface="Arial Narrow" panose="020B0606020202030204" pitchFamily="34" charset="0"/>
+              </a:rPr>
+              <a:t>На более маленьких экранах, окно игры не помещаетс</a:t>
+            </a:r>
+            <a:r>
+              <a:rPr lang="ru-RU" sz="2000" dirty="0" smtClean="0">
+                <a:latin typeface="Arial Narrow" panose="020B0606020202030204" pitchFamily="34" charset="0"/>
+              </a:rPr>
+              <a:t>я.</a:t>
+            </a:r>
+            <a:endParaRPr lang="ru-RU" sz="2000" dirty="0" smtClean="0">
+              <a:latin typeface="Arial Narrow" panose="020B0606020202030204" pitchFamily="34" charset="0"/>
+            </a:endParaRPr>
           </a:p>
           <a:p>
             <a:pPr marL="596900" indent="-457200">
